--- a/lectures/src/Accessing Tenstorrent.pptx
+++ b/lectures/src/Accessing Tenstorrent.pptx
@@ -5,15 +5,20 @@
     <p:sldMasterId id="2147483660" r:id="rId1"/>
   </p:sldMasterIdLst>
   <p:notesMasterIdLst>
-    <p:notesMasterId r:id="rId5"/>
+    <p:notesMasterId r:id="rId10"/>
   </p:notesMasterIdLst>
   <p:handoutMasterIdLst>
-    <p:handoutMasterId r:id="rId6"/>
+    <p:handoutMasterId r:id="rId11"/>
   </p:handoutMasterIdLst>
   <p:sldIdLst>
     <p:sldId id="286" r:id="rId2"/>
-    <p:sldId id="288" r:id="rId3"/>
-    <p:sldId id="287" r:id="rId4"/>
+    <p:sldId id="289" r:id="rId3"/>
+    <p:sldId id="288" r:id="rId4"/>
+    <p:sldId id="287" r:id="rId5"/>
+    <p:sldId id="290" r:id="rId6"/>
+    <p:sldId id="291" r:id="rId7"/>
+    <p:sldId id="292" r:id="rId8"/>
+    <p:sldId id="293" r:id="rId9"/>
   </p:sldIdLst>
   <p:sldSz cx="12192000" cy="6858000"/>
   <p:notesSz cx="6858000" cy="9144000"/>
@@ -137,7 +142,7 @@
 <file path=ppt/revisionInfo.xml><?xml version="1.0" encoding="utf-8"?>
 <p1510:revInfo xmlns:a="http://schemas.openxmlformats.org/drawingml/2006/main" xmlns:r="http://schemas.openxmlformats.org/officeDocument/2006/relationships" xmlns:p1510="http://schemas.microsoft.com/office/powerpoint/2015/10/main">
   <p1510:revLst>
-    <p1510:client id="{1B170606-B4C2-4A90-A4E8-4102F1140E74}" v="14" dt="2025-04-18T17:41:27.937"/>
+    <p1510:client id="{2F14B5BE-883D-4B00-85D1-B3AADD12854D}" v="19" dt="2025-09-01T17:43:09.923"/>
   </p1510:revLst>
 </p1510:revInfo>
 </file>
@@ -199,7 +204,7 @@
           <a:p>
             <a:fld id="{237A3326-6BE8-4DE2-A526-66D6DC5DC342}" type="datetimeFigureOut">
               <a:rPr lang="en-GB" smtClean="0"/>
-              <a:t>18/04/2025</a:t>
+              <a:t>01/09/2025</a:t>
             </a:fld>
             <a:endParaRPr lang="en-GB"/>
           </a:p>
@@ -376,7 +381,7 @@
           <a:p>
             <a:fld id="{198E9702-0021-4473-93B9-41638846F4C4}" type="datetimeFigureOut">
               <a:rPr lang="en-GB" smtClean="0"/>
-              <a:t>18/04/2025</a:t>
+              <a:t>01/09/2025</a:t>
             </a:fld>
             <a:endParaRPr lang="en-GB"/>
           </a:p>
@@ -888,7 +893,7 @@
           <a:p>
             <a:fld id="{B1836D41-3C4D-1D49-AA54-4231464E6415}" type="datetimeFigureOut">
               <a:rPr lang="en-US" smtClean="0"/>
-              <a:t>4/18/2025</a:t>
+              <a:t>9/1/2025</a:t>
             </a:fld>
             <a:endParaRPr lang="en-US"/>
           </a:p>
@@ -1092,7 +1097,7 @@
           <a:p>
             <a:fld id="{B1836D41-3C4D-1D49-AA54-4231464E6415}" type="datetimeFigureOut">
               <a:rPr lang="en-US" smtClean="0"/>
-              <a:t>4/18/2025</a:t>
+              <a:t>9/1/2025</a:t>
             </a:fld>
             <a:endParaRPr lang="en-US"/>
           </a:p>
@@ -1273,7 +1278,7 @@
           <a:p>
             <a:fld id="{B1836D41-3C4D-1D49-AA54-4231464E6415}" type="datetimeFigureOut">
               <a:rPr lang="en-US" smtClean="0"/>
-              <a:t>4/18/2025</a:t>
+              <a:t>9/1/2025</a:t>
             </a:fld>
             <a:endParaRPr lang="en-US"/>
           </a:p>
@@ -1448,7 +1453,7 @@
           <a:p>
             <a:fld id="{B1836D41-3C4D-1D49-AA54-4231464E6415}" type="datetimeFigureOut">
               <a:rPr lang="en-US" smtClean="0"/>
-              <a:t>4/18/2025</a:t>
+              <a:t>9/1/2025</a:t>
             </a:fld>
             <a:endParaRPr lang="en-US"/>
           </a:p>
@@ -1696,7 +1701,7 @@
           <a:p>
             <a:fld id="{B1836D41-3C4D-1D49-AA54-4231464E6415}" type="datetimeFigureOut">
               <a:rPr lang="en-US" smtClean="0"/>
-              <a:t>4/18/2025</a:t>
+              <a:t>9/1/2025</a:t>
             </a:fld>
             <a:endParaRPr lang="en-US"/>
           </a:p>
@@ -2013,7 +2018,7 @@
           <a:p>
             <a:fld id="{B1836D41-3C4D-1D49-AA54-4231464E6415}" type="datetimeFigureOut">
               <a:rPr lang="en-US" smtClean="0"/>
-              <a:t>4/18/2025</a:t>
+              <a:t>9/1/2025</a:t>
             </a:fld>
             <a:endParaRPr lang="en-US"/>
           </a:p>
@@ -2479,7 +2484,7 @@
           <a:p>
             <a:fld id="{B1836D41-3C4D-1D49-AA54-4231464E6415}" type="datetimeFigureOut">
               <a:rPr lang="en-US" smtClean="0"/>
-              <a:t>4/18/2025</a:t>
+              <a:t>9/1/2025</a:t>
             </a:fld>
             <a:endParaRPr lang="en-US"/>
           </a:p>
@@ -2626,7 +2631,7 @@
           <a:p>
             <a:fld id="{B1836D41-3C4D-1D49-AA54-4231464E6415}" type="datetimeFigureOut">
               <a:rPr lang="en-US" smtClean="0"/>
-              <a:t>4/18/2025</a:t>
+              <a:t>9/1/2025</a:t>
             </a:fld>
             <a:endParaRPr lang="en-US"/>
           </a:p>
@@ -2716,7 +2721,7 @@
           <a:p>
             <a:fld id="{B1836D41-3C4D-1D49-AA54-4231464E6415}" type="datetimeFigureOut">
               <a:rPr lang="en-US" smtClean="0"/>
-              <a:t>4/18/2025</a:t>
+              <a:t>9/1/2025</a:t>
             </a:fld>
             <a:endParaRPr lang="en-US"/>
           </a:p>
@@ -2990,7 +2995,7 @@
           <a:p>
             <a:fld id="{B1836D41-3C4D-1D49-AA54-4231464E6415}" type="datetimeFigureOut">
               <a:rPr lang="en-US" smtClean="0"/>
-              <a:t>4/18/2025</a:t>
+              <a:t>9/1/2025</a:t>
             </a:fld>
             <a:endParaRPr lang="en-US"/>
           </a:p>
@@ -3295,7 +3300,7 @@
           <a:p>
             <a:fld id="{B1836D41-3C4D-1D49-AA54-4231464E6415}" type="datetimeFigureOut">
               <a:rPr lang="en-US" smtClean="0"/>
-              <a:t>4/18/2025</a:t>
+              <a:t>9/1/2025</a:t>
             </a:fld>
             <a:endParaRPr lang="en-US"/>
           </a:p>
@@ -3592,7 +3597,7 @@
           <a:p>
             <a:fld id="{B1836D41-3C4D-1D49-AA54-4231464E6415}" type="datetimeFigureOut">
               <a:rPr lang="en-US" smtClean="0"/>
-              <a:t>4/18/2025</a:t>
+              <a:t>9/1/2025</a:t>
             </a:fld>
             <a:endParaRPr lang="en-US"/>
           </a:p>
@@ -4236,7 +4241,7 @@
           <p:cNvPr id="2" name="Title 1">
             <a:extLst>
               <a:ext uri="{FF2B5EF4-FFF2-40B4-BE49-F238E27FC236}">
-                <a16:creationId xmlns:a16="http://schemas.microsoft.com/office/drawing/2014/main" id="{81D524AC-B6A1-04DB-DD92-EF2C90EAF69C}"/>
+                <a16:creationId xmlns:a16="http://schemas.microsoft.com/office/drawing/2014/main" id="{F17DEB62-63F9-EA56-BFD9-5B58164D7161}"/>
               </a:ext>
             </a:extLst>
           </p:cNvPr>
@@ -4249,14 +4254,12 @@
         </p:nvSpPr>
         <p:spPr/>
         <p:txBody>
-          <a:bodyPr>
-            <a:normAutofit/>
-          </a:bodyPr>
+          <a:bodyPr/>
           <a:lstStyle/>
           <a:p>
             <a:r>
               <a:rPr lang="en-GB" dirty="0"/>
-              <a:t>Everyone has a visitor account</a:t>
+              <a:t>Using the EPCC RISC-V testbed</a:t>
             </a:r>
           </a:p>
         </p:txBody>
@@ -4266,7 +4269,7 @@
           <p:cNvPr id="3" name="Content Placeholder 2">
             <a:extLst>
               <a:ext uri="{FF2B5EF4-FFF2-40B4-BE49-F238E27FC236}">
-                <a16:creationId xmlns:a16="http://schemas.microsoft.com/office/drawing/2014/main" id="{6FA96AA7-454D-5409-87CB-25CBFB11932A}"/>
+                <a16:creationId xmlns:a16="http://schemas.microsoft.com/office/drawing/2014/main" id="{873C355B-DD3F-AD40-6054-F8C44EEC98A2}"/>
               </a:ext>
             </a:extLst>
           </p:cNvPr>
@@ -4284,24 +4287,79 @@
           <a:p>
             <a:r>
               <a:rPr lang="en-GB" dirty="0"/>
-              <a:t>You have already applied for this via SAFE</a:t>
-            </a:r>
-          </a:p>
-          <a:p>
+              <a:t>We host a testbed system that enables developers to experiment with RISC-V</a:t>
+            </a:r>
+          </a:p>
+          <a:p>
+            <a:pPr lvl="1"/>
+            <a:r>
+              <a:rPr lang="en-GB" dirty="0">
+                <a:hlinkClick r:id="rId2"/>
+              </a:rPr>
+              <a:t>https://riscv.epcc.ed.ac.uk</a:t>
+            </a:r>
+            <a:r>
+              <a:rPr lang="en-GB" dirty="0"/>
+              <a:t> </a:t>
+            </a:r>
+          </a:p>
+          <a:p>
+            <a:pPr lvl="1"/>
             <a:endParaRPr lang="en-GB" dirty="0"/>
           </a:p>
           <a:p>
+            <a:pPr lvl="1"/>
+            <a:endParaRPr lang="en-GB" dirty="0"/>
+          </a:p>
+          <a:p>
             <a:r>
               <a:rPr lang="en-GB" dirty="0"/>
-              <a:t>You can then use Putty (on Windows) or your inbuilt SSH client (on Linux or MacOS) to SSH into the remote machine</a:t>
-            </a:r>
-          </a:p>
-        </p:txBody>
-      </p:sp>
+              <a:t>Lots of different RISC-V technologies, but this also contains Wormhole and Blackhole PCIe accelerators</a:t>
+            </a:r>
+          </a:p>
+          <a:p>
+            <a:pPr lvl="1"/>
+            <a:r>
+              <a:rPr lang="en-GB" dirty="0"/>
+              <a:t>This week and next our compute facility is offline due to power maintenance works, so we are currently using a single Wormhole for the tutorial and access instructions are slightly different than they normally are</a:t>
+            </a:r>
+          </a:p>
+        </p:txBody>
+      </p:sp>
+      <p:pic>
+        <p:nvPicPr>
+          <p:cNvPr id="4" name="Picture 3">
+            <a:extLst>
+              <a:ext uri="{FF2B5EF4-FFF2-40B4-BE49-F238E27FC236}">
+                <a16:creationId xmlns:a16="http://schemas.microsoft.com/office/drawing/2014/main" id="{8132A778-66F0-B960-6B92-91A3653AE20F}"/>
+              </a:ext>
+            </a:extLst>
+          </p:cNvPr>
+          <p:cNvPicPr>
+            <a:picLocks noChangeAspect="1"/>
+          </p:cNvPicPr>
+          <p:nvPr/>
+        </p:nvPicPr>
+        <p:blipFill>
+          <a:blip r:embed="rId3"/>
+          <a:stretch>
+            <a:fillRect/>
+          </a:stretch>
+        </p:blipFill>
+        <p:spPr>
+          <a:xfrm>
+            <a:off x="7248128" y="4924507"/>
+            <a:ext cx="4752528" cy="1552493"/>
+          </a:xfrm>
+          <a:prstGeom prst="rect">
+            <a:avLst/>
+          </a:prstGeom>
+        </p:spPr>
+      </p:pic>
     </p:spTree>
     <p:extLst>
       <p:ext uri="{BB962C8B-B14F-4D97-AF65-F5344CB8AC3E}">
-        <p14:creationId xmlns:p14="http://schemas.microsoft.com/office/powerpoint/2010/main" val="1466987761"/>
+        <p14:creationId xmlns:p14="http://schemas.microsoft.com/office/powerpoint/2010/main" val="3307180201"/>
       </p:ext>
     </p:extLst>
   </p:cSld>
@@ -4333,6 +4391,115 @@
           <p:cNvPr id="2" name="Title 1">
             <a:extLst>
               <a:ext uri="{FF2B5EF4-FFF2-40B4-BE49-F238E27FC236}">
+                <a16:creationId xmlns:a16="http://schemas.microsoft.com/office/drawing/2014/main" id="{81D524AC-B6A1-04DB-DD92-EF2C90EAF69C}"/>
+              </a:ext>
+            </a:extLst>
+          </p:cNvPr>
+          <p:cNvSpPr>
+            <a:spLocks noGrp="1"/>
+          </p:cNvSpPr>
+          <p:nvPr>
+            <p:ph type="title"/>
+          </p:nvPr>
+        </p:nvSpPr>
+        <p:spPr/>
+        <p:txBody>
+          <a:bodyPr>
+            <a:normAutofit/>
+          </a:bodyPr>
+          <a:lstStyle/>
+          <a:p>
+            <a:r>
+              <a:rPr lang="en-GB" dirty="0"/>
+              <a:t>Everyone has a visitor account on the machine</a:t>
+            </a:r>
+          </a:p>
+        </p:txBody>
+      </p:sp>
+      <p:sp>
+        <p:nvSpPr>
+          <p:cNvPr id="3" name="Content Placeholder 2">
+            <a:extLst>
+              <a:ext uri="{FF2B5EF4-FFF2-40B4-BE49-F238E27FC236}">
+                <a16:creationId xmlns:a16="http://schemas.microsoft.com/office/drawing/2014/main" id="{6FA96AA7-454D-5409-87CB-25CBFB11932A}"/>
+              </a:ext>
+            </a:extLst>
+          </p:cNvPr>
+          <p:cNvSpPr>
+            <a:spLocks noGrp="1"/>
+          </p:cNvSpPr>
+          <p:nvPr>
+            <p:ph idx="1"/>
+          </p:nvPr>
+        </p:nvSpPr>
+        <p:spPr/>
+        <p:txBody>
+          <a:bodyPr/>
+          <a:lstStyle/>
+          <a:p>
+            <a:r>
+              <a:rPr lang="en-GB" dirty="0"/>
+              <a:t>We will provide the details of this to you now</a:t>
+            </a:r>
+          </a:p>
+          <a:p>
+            <a:pPr lvl="1"/>
+            <a:r>
+              <a:rPr lang="en-GB" dirty="0"/>
+              <a:t>Everything is set up in this account so that you can work with the </a:t>
+            </a:r>
+            <a:r>
+              <a:rPr lang="en-GB" dirty="0" err="1"/>
+              <a:t>practicals</a:t>
+            </a:r>
+            <a:endParaRPr lang="en-GB" dirty="0"/>
+          </a:p>
+          <a:p>
+            <a:endParaRPr lang="en-GB" dirty="0"/>
+          </a:p>
+          <a:p>
+            <a:r>
+              <a:rPr lang="en-GB" dirty="0"/>
+              <a:t>You can then use Putty (on Windows) or your inbuilt SSH client (on Linux or MacOS) to SSH into the remote machine</a:t>
+            </a:r>
+          </a:p>
+        </p:txBody>
+      </p:sp>
+    </p:spTree>
+    <p:extLst>
+      <p:ext uri="{BB962C8B-B14F-4D97-AF65-F5344CB8AC3E}">
+        <p14:creationId xmlns:p14="http://schemas.microsoft.com/office/powerpoint/2010/main" val="1466987761"/>
+      </p:ext>
+    </p:extLst>
+  </p:cSld>
+  <p:clrMapOvr>
+    <a:masterClrMapping/>
+  </p:clrMapOvr>
+</p:sld>
+</file>
+
+<file path=ppt/slides/slide4.xml><?xml version="1.0" encoding="utf-8"?>
+<p:sld xmlns:a="http://schemas.openxmlformats.org/drawingml/2006/main" xmlns:r="http://schemas.openxmlformats.org/officeDocument/2006/relationships" xmlns:p="http://schemas.openxmlformats.org/presentationml/2006/main">
+  <p:cSld>
+    <p:spTree>
+      <p:nvGrpSpPr>
+        <p:cNvPr id="1" name=""/>
+        <p:cNvGrpSpPr/>
+        <p:nvPr/>
+      </p:nvGrpSpPr>
+      <p:grpSpPr>
+        <a:xfrm>
+          <a:off x="0" y="0"/>
+          <a:ext cx="0" cy="0"/>
+          <a:chOff x="0" y="0"/>
+          <a:chExt cx="0" cy="0"/>
+        </a:xfrm>
+      </p:grpSpPr>
+      <p:sp>
+        <p:nvSpPr>
+          <p:cNvPr id="2" name="Title 1">
+            <a:extLst>
+              <a:ext uri="{FF2B5EF4-FFF2-40B4-BE49-F238E27FC236}">
                 <a16:creationId xmlns:a16="http://schemas.microsoft.com/office/drawing/2014/main" id="{049770CC-295A-8645-5D1F-9DD564BF9CC7}"/>
               </a:ext>
             </a:extLst>
@@ -4384,7 +4551,7 @@
           <a:p>
             <a:r>
               <a:rPr lang="en-GB" dirty="0"/>
-              <a:t>Step one – using the visitor account assigned to you, login to our CS-2 host machine, using the one time pass code</a:t>
+              <a:t>Step one – using the visitor account assigned to you, access the login node</a:t>
             </a:r>
           </a:p>
         </p:txBody>
@@ -4403,7 +4570,7 @@
         </p:nvSpPr>
         <p:spPr>
           <a:xfrm>
-            <a:off x="609600" y="2564904"/>
+            <a:off x="619887" y="2239253"/>
             <a:ext cx="10972800" cy="338554"/>
           </a:xfrm>
           <a:prstGeom prst="rect">
@@ -4427,7 +4594,7 @@
                 <a:latin typeface="Courier New" panose="02070309020205020404" pitchFamily="49" charset="0"/>
                 <a:cs typeface="Courier New" panose="02070309020205020404" pitchFamily="49" charset="0"/>
               </a:rPr>
-              <a:t>ssh -J user-id@gateway.epcc.ed.ac.uk riscv-login.epcc.ed.ac.uk</a:t>
+              <a:t>ssh user-id@riscv-login.epcc.ed.ac.uk</a:t>
             </a:r>
           </a:p>
         </p:txBody>
@@ -4448,7 +4615,7 @@
         </p:nvSpPr>
         <p:spPr>
           <a:xfrm>
-            <a:off x="609600" y="3068960"/>
+            <a:off x="609600" y="2852937"/>
             <a:ext cx="10972800" cy="1728191"/>
           </a:xfrm>
           <a:prstGeom prst="rect">
@@ -4628,12 +4795,20 @@
             </a:lvl9pPr>
           </a:lstStyle>
           <a:p>
+            <a:pPr lvl="1"/>
             <a:r>
               <a:rPr lang="en-GB" dirty="0"/>
-              <a:t>We are now logged into the login node</a:t>
-            </a:r>
-          </a:p>
-          <a:p>
+              <a:t>You are now logged into the login node</a:t>
+            </a:r>
+          </a:p>
+          <a:p>
+            <a:pPr lvl="1"/>
+            <a:endParaRPr lang="en-GB" dirty="0"/>
+          </a:p>
+          <a:p>
+            <a:pPr marL="0" indent="0">
+              <a:buNone/>
+            </a:pPr>
             <a:endParaRPr lang="en-GB" dirty="0"/>
           </a:p>
           <a:p>
@@ -4647,8 +4822,13 @@
             </a:r>
             <a:r>
               <a:rPr lang="en-GB" dirty="0"/>
-              <a:t> machine, load the required SDK module and Git clone the repository and cd into this</a:t>
-            </a:r>
+              <a:t> Wormhole machine</a:t>
+            </a:r>
+          </a:p>
+          <a:p>
+            <a:endParaRPr lang="en-GB" i="1" dirty="0"/>
+          </a:p>
+          <a:p>
             <a:endParaRPr lang="en-GB" i="1" dirty="0"/>
           </a:p>
         </p:txBody>
@@ -4667,8 +4847,8 @@
         </p:nvSpPr>
         <p:spPr>
           <a:xfrm>
-            <a:off x="609600" y="4881278"/>
-            <a:ext cx="10972800" cy="1077218"/>
+            <a:off x="609600" y="4802029"/>
+            <a:ext cx="10972800" cy="338554"/>
           </a:xfrm>
           <a:prstGeom prst="rect">
             <a:avLst/>
@@ -4712,82 +4892,6 @@
                 <a:cs typeface="Courier New" panose="02070309020205020404" pitchFamily="49" charset="0"/>
               </a:rPr>
               <a:t> ~]$ ssh tenstorrent1</a:t>
-            </a:r>
-          </a:p>
-          <a:p>
-            <a:r>
-              <a:rPr lang="en-GB" sz="1600" dirty="0">
-                <a:solidFill>
-                  <a:schemeClr val="bg1"/>
-                </a:solidFill>
-                <a:latin typeface="Courier New" panose="02070309020205020404" pitchFamily="49" charset="0"/>
-                <a:cs typeface="Courier New" panose="02070309020205020404" pitchFamily="49" charset="0"/>
-              </a:rPr>
-              <a:t>[user-id@ tenstorrent1 ~]$ module load </a:t>
-            </a:r>
-            <a:r>
-              <a:rPr lang="en-GB" sz="1600" dirty="0" err="1">
-                <a:solidFill>
-                  <a:schemeClr val="bg1"/>
-                </a:solidFill>
-                <a:latin typeface="Courier New" panose="02070309020205020404" pitchFamily="49" charset="0"/>
-                <a:cs typeface="Courier New" panose="02070309020205020404" pitchFamily="49" charset="0"/>
-              </a:rPr>
-              <a:t>tt</a:t>
-            </a:r>
-            <a:r>
-              <a:rPr lang="en-GB" sz="1600" dirty="0">
-                <a:solidFill>
-                  <a:schemeClr val="bg1"/>
-                </a:solidFill>
-                <a:latin typeface="Courier New" panose="02070309020205020404" pitchFamily="49" charset="0"/>
-                <a:cs typeface="Courier New" panose="02070309020205020404" pitchFamily="49" charset="0"/>
-              </a:rPr>
-              <a:t>-metal/0.56</a:t>
-            </a:r>
-          </a:p>
-          <a:p>
-            <a:r>
-              <a:rPr lang="en-GB" sz="1600" dirty="0">
-                <a:solidFill>
-                  <a:schemeClr val="bg1"/>
-                </a:solidFill>
-                <a:latin typeface="Courier New" panose="02070309020205020404" pitchFamily="49" charset="0"/>
-                <a:cs typeface="Courier New" panose="02070309020205020404" pitchFamily="49" charset="0"/>
-              </a:rPr>
-              <a:t>[user-id@ tenstorrent1 ~]$ git clone https://github.com/RISCVtestbed/tt-tutorial.git</a:t>
-            </a:r>
-          </a:p>
-          <a:p>
-            <a:r>
-              <a:rPr lang="en-GB" sz="1600" dirty="0">
-                <a:solidFill>
-                  <a:schemeClr val="bg1"/>
-                </a:solidFill>
-                <a:latin typeface="Courier New" panose="02070309020205020404" pitchFamily="49" charset="0"/>
-                <a:cs typeface="Courier New" panose="02070309020205020404" pitchFamily="49" charset="0"/>
-              </a:rPr>
-              <a:t>[user-id@ tenstorrent1 ~]$ cd </a:t>
-            </a:r>
-            <a:r>
-              <a:rPr lang="en-GB" sz="1600" dirty="0" err="1">
-                <a:solidFill>
-                  <a:schemeClr val="bg1"/>
-                </a:solidFill>
-                <a:latin typeface="Courier New" panose="02070309020205020404" pitchFamily="49" charset="0"/>
-                <a:cs typeface="Courier New" panose="02070309020205020404" pitchFamily="49" charset="0"/>
-              </a:rPr>
-              <a:t>tt</a:t>
-            </a:r>
-            <a:r>
-              <a:rPr lang="en-GB" sz="1600" dirty="0">
-                <a:solidFill>
-                  <a:schemeClr val="bg1"/>
-                </a:solidFill>
-                <a:latin typeface="Courier New" panose="02070309020205020404" pitchFamily="49" charset="0"/>
-                <a:cs typeface="Courier New" panose="02070309020205020404" pitchFamily="49" charset="0"/>
-              </a:rPr>
-              <a:t>-tutorial/practical</a:t>
             </a:r>
           </a:p>
         </p:txBody>
@@ -4836,6 +4940,2223 @@
     <p:extLst>
       <p:ext uri="{BB962C8B-B14F-4D97-AF65-F5344CB8AC3E}">
         <p14:creationId xmlns:p14="http://schemas.microsoft.com/office/powerpoint/2010/main" val="965051851"/>
+      </p:ext>
+    </p:extLst>
+  </p:cSld>
+  <p:clrMapOvr>
+    <a:masterClrMapping/>
+  </p:clrMapOvr>
+</p:sld>
+</file>
+
+<file path=ppt/slides/slide5.xml><?xml version="1.0" encoding="utf-8"?>
+<p:sld xmlns:a="http://schemas.openxmlformats.org/drawingml/2006/main" xmlns:r="http://schemas.openxmlformats.org/officeDocument/2006/relationships" xmlns:p="http://schemas.openxmlformats.org/presentationml/2006/main">
+  <p:cSld>
+    <p:spTree>
+      <p:nvGrpSpPr>
+        <p:cNvPr id="1" name="">
+          <a:extLst>
+            <a:ext uri="{FF2B5EF4-FFF2-40B4-BE49-F238E27FC236}">
+              <a16:creationId xmlns:a16="http://schemas.microsoft.com/office/drawing/2014/main" id="{7DBA745F-782F-9AA1-9D6D-2B41A2E3A480}"/>
+            </a:ext>
+          </a:extLst>
+        </p:cNvPr>
+        <p:cNvGrpSpPr/>
+        <p:nvPr/>
+      </p:nvGrpSpPr>
+      <p:grpSpPr>
+        <a:xfrm>
+          <a:off x="0" y="0"/>
+          <a:ext cx="0" cy="0"/>
+          <a:chOff x="0" y="0"/>
+          <a:chExt cx="0" cy="0"/>
+        </a:xfrm>
+      </p:grpSpPr>
+      <p:sp>
+        <p:nvSpPr>
+          <p:cNvPr id="2" name="Title 1">
+            <a:extLst>
+              <a:ext uri="{FF2B5EF4-FFF2-40B4-BE49-F238E27FC236}">
+                <a16:creationId xmlns:a16="http://schemas.microsoft.com/office/drawing/2014/main" id="{0541203B-DC19-92AB-0AB9-21C3BE2D83F4}"/>
+              </a:ext>
+            </a:extLst>
+          </p:cNvPr>
+          <p:cNvSpPr>
+            <a:spLocks noGrp="1"/>
+          </p:cNvSpPr>
+          <p:nvPr>
+            <p:ph type="title"/>
+          </p:nvPr>
+        </p:nvSpPr>
+        <p:spPr/>
+        <p:txBody>
+          <a:bodyPr/>
+          <a:lstStyle/>
+          <a:p>
+            <a:r>
+              <a:rPr lang="en-GB" dirty="0"/>
+              <a:t>We have set some files up for you already….</a:t>
+            </a:r>
+          </a:p>
+        </p:txBody>
+      </p:sp>
+      <p:sp>
+        <p:nvSpPr>
+          <p:cNvPr id="4" name="TextBox 3">
+            <a:extLst>
+              <a:ext uri="{FF2B5EF4-FFF2-40B4-BE49-F238E27FC236}">
+                <a16:creationId xmlns:a16="http://schemas.microsoft.com/office/drawing/2014/main" id="{23B2A09E-849E-2037-68E0-3532A4D55353}"/>
+              </a:ext>
+            </a:extLst>
+          </p:cNvPr>
+          <p:cNvSpPr txBox="1"/>
+          <p:nvPr/>
+        </p:nvSpPr>
+        <p:spPr>
+          <a:xfrm>
+            <a:off x="609600" y="1681854"/>
+            <a:ext cx="10972800" cy="584775"/>
+          </a:xfrm>
+          <a:prstGeom prst="rect">
+            <a:avLst/>
+          </a:prstGeom>
+          <a:solidFill>
+            <a:schemeClr val="tx1"/>
+          </a:solidFill>
+        </p:spPr>
+        <p:txBody>
+          <a:bodyPr wrap="square" rtlCol="0">
+            <a:spAutoFit/>
+          </a:bodyPr>
+          <a:lstStyle/>
+          <a:p>
+            <a:r>
+              <a:rPr lang="en-GB" sz="1600" dirty="0">
+                <a:solidFill>
+                  <a:schemeClr val="bg1"/>
+                </a:solidFill>
+                <a:latin typeface="Courier New" panose="02070309020205020404" pitchFamily="49" charset="0"/>
+                <a:cs typeface="Courier New" panose="02070309020205020404" pitchFamily="49" charset="0"/>
+              </a:rPr>
+              <a:t>[user-id@tenstorrent1 ~]$ ls</a:t>
+            </a:r>
+          </a:p>
+          <a:p>
+            <a:r>
+              <a:rPr lang="en-GB" sz="1600" dirty="0">
+                <a:solidFill>
+                  <a:schemeClr val="bg1"/>
+                </a:solidFill>
+                <a:latin typeface="Courier New" panose="02070309020205020404" pitchFamily="49" charset="0"/>
+                <a:cs typeface="Courier New" panose="02070309020205020404" pitchFamily="49" charset="0"/>
+              </a:rPr>
+              <a:t>tt-metal-0.62.2    </a:t>
+            </a:r>
+            <a:r>
+              <a:rPr lang="en-GB" sz="1600" dirty="0" err="1">
+                <a:solidFill>
+                  <a:schemeClr val="bg1"/>
+                </a:solidFill>
+                <a:latin typeface="Courier New" panose="02070309020205020404" pitchFamily="49" charset="0"/>
+                <a:cs typeface="Courier New" panose="02070309020205020404" pitchFamily="49" charset="0"/>
+              </a:rPr>
+              <a:t>tt</a:t>
+            </a:r>
+            <a:r>
+              <a:rPr lang="en-GB" sz="1600" dirty="0">
+                <a:solidFill>
+                  <a:schemeClr val="bg1"/>
+                </a:solidFill>
+                <a:latin typeface="Courier New" panose="02070309020205020404" pitchFamily="49" charset="0"/>
+                <a:cs typeface="Courier New" panose="02070309020205020404" pitchFamily="49" charset="0"/>
+              </a:rPr>
+              <a:t>-tutorial</a:t>
+            </a:r>
+          </a:p>
+        </p:txBody>
+      </p:sp>
+      <p:sp>
+        <p:nvSpPr>
+          <p:cNvPr id="5" name="Content Placeholder 2">
+            <a:extLst>
+              <a:ext uri="{FF2B5EF4-FFF2-40B4-BE49-F238E27FC236}">
+                <a16:creationId xmlns:a16="http://schemas.microsoft.com/office/drawing/2014/main" id="{1368AA61-43EC-4FD4-6CEB-72EC4A74DF99}"/>
+              </a:ext>
+            </a:extLst>
+          </p:cNvPr>
+          <p:cNvSpPr txBox="1">
+            <a:spLocks/>
+          </p:cNvSpPr>
+          <p:nvPr/>
+        </p:nvSpPr>
+        <p:spPr>
+          <a:xfrm>
+            <a:off x="609600" y="2489354"/>
+            <a:ext cx="10972800" cy="4253593"/>
+          </a:xfrm>
+          <a:prstGeom prst="rect">
+            <a:avLst/>
+          </a:prstGeom>
+        </p:spPr>
+        <p:txBody>
+          <a:bodyPr vert="horz" lIns="91440" tIns="45720" rIns="91440" bIns="45720" rtlCol="0">
+            <a:normAutofit fontScale="92500"/>
+          </a:bodyPr>
+          <a:lstStyle>
+            <a:lvl1pPr marL="182880" indent="-182880" algn="l" defTabSz="914400" rtl="0" eaLnBrk="1" latinLnBrk="0" hangingPunct="1">
+              <a:spcBef>
+                <a:spcPct val="20000"/>
+              </a:spcBef>
+              <a:buClr>
+                <a:schemeClr val="accent1"/>
+              </a:buClr>
+              <a:buSzPct val="85000"/>
+              <a:buFont typeface="Arial" pitchFamily="34" charset="0"/>
+              <a:buChar char="•"/>
+              <a:defRPr sz="2400" kern="1200">
+                <a:solidFill>
+                  <a:schemeClr val="tx1"/>
+                </a:solidFill>
+                <a:latin typeface="+mn-lt"/>
+                <a:ea typeface="+mn-ea"/>
+                <a:cs typeface="+mn-cs"/>
+              </a:defRPr>
+            </a:lvl1pPr>
+            <a:lvl2pPr marL="457200" indent="-182880" algn="l" defTabSz="914400" rtl="0" eaLnBrk="1" latinLnBrk="0" hangingPunct="1">
+              <a:spcBef>
+                <a:spcPct val="20000"/>
+              </a:spcBef>
+              <a:buClr>
+                <a:schemeClr val="accent1"/>
+              </a:buClr>
+              <a:buSzPct val="85000"/>
+              <a:buFont typeface="Arial" pitchFamily="34" charset="0"/>
+              <a:buChar char="•"/>
+              <a:defRPr sz="2000" kern="1200">
+                <a:solidFill>
+                  <a:schemeClr val="tx1"/>
+                </a:solidFill>
+                <a:latin typeface="+mn-lt"/>
+                <a:ea typeface="+mn-ea"/>
+                <a:cs typeface="+mn-cs"/>
+              </a:defRPr>
+            </a:lvl2pPr>
+            <a:lvl3pPr marL="731520" indent="-182880" algn="l" defTabSz="914400" rtl="0" eaLnBrk="1" latinLnBrk="0" hangingPunct="1">
+              <a:spcBef>
+                <a:spcPct val="20000"/>
+              </a:spcBef>
+              <a:buClr>
+                <a:schemeClr val="accent1"/>
+              </a:buClr>
+              <a:buSzPct val="90000"/>
+              <a:buFont typeface="Arial" pitchFamily="34" charset="0"/>
+              <a:buChar char="•"/>
+              <a:defRPr sz="1800" kern="1200">
+                <a:solidFill>
+                  <a:schemeClr val="tx1"/>
+                </a:solidFill>
+                <a:latin typeface="+mn-lt"/>
+                <a:ea typeface="+mn-ea"/>
+                <a:cs typeface="+mn-cs"/>
+              </a:defRPr>
+            </a:lvl3pPr>
+            <a:lvl4pPr marL="1005840" indent="-182880" algn="l" defTabSz="914400" rtl="0" eaLnBrk="1" latinLnBrk="0" hangingPunct="1">
+              <a:spcBef>
+                <a:spcPct val="20000"/>
+              </a:spcBef>
+              <a:buClr>
+                <a:schemeClr val="accent1"/>
+              </a:buClr>
+              <a:buFont typeface="Arial" pitchFamily="34" charset="0"/>
+              <a:buChar char="•"/>
+              <a:defRPr sz="1600" kern="1200">
+                <a:solidFill>
+                  <a:schemeClr val="tx1"/>
+                </a:solidFill>
+                <a:latin typeface="+mn-lt"/>
+                <a:ea typeface="+mn-ea"/>
+                <a:cs typeface="+mn-cs"/>
+              </a:defRPr>
+            </a:lvl4pPr>
+            <a:lvl5pPr marL="1188720" indent="-137160" algn="l" defTabSz="914400" rtl="0" eaLnBrk="1" latinLnBrk="0" hangingPunct="1">
+              <a:spcBef>
+                <a:spcPct val="20000"/>
+              </a:spcBef>
+              <a:buClr>
+                <a:schemeClr val="accent1"/>
+              </a:buClr>
+              <a:buSzPct val="100000"/>
+              <a:buFont typeface="Arial" pitchFamily="34" charset="0"/>
+              <a:buChar char="•"/>
+              <a:defRPr sz="1400" kern="1200" baseline="0">
+                <a:solidFill>
+                  <a:schemeClr val="tx1"/>
+                </a:solidFill>
+                <a:latin typeface="+mn-lt"/>
+                <a:ea typeface="+mn-ea"/>
+                <a:cs typeface="+mn-cs"/>
+              </a:defRPr>
+            </a:lvl5pPr>
+            <a:lvl6pPr marL="1371600" indent="-182880" algn="l" defTabSz="914400" rtl="0" eaLnBrk="1" latinLnBrk="0" hangingPunct="1">
+              <a:spcBef>
+                <a:spcPct val="20000"/>
+              </a:spcBef>
+              <a:buClr>
+                <a:schemeClr val="accent1"/>
+              </a:buClr>
+              <a:buFont typeface="Arial" pitchFamily="34" charset="0"/>
+              <a:buChar char="•"/>
+              <a:defRPr sz="1300" kern="1200">
+                <a:solidFill>
+                  <a:schemeClr val="tx1"/>
+                </a:solidFill>
+                <a:latin typeface="+mn-lt"/>
+                <a:ea typeface="+mn-ea"/>
+                <a:cs typeface="+mn-cs"/>
+              </a:defRPr>
+            </a:lvl6pPr>
+            <a:lvl7pPr marL="1554480" indent="-182880" algn="l" defTabSz="914400" rtl="0" eaLnBrk="1" latinLnBrk="0" hangingPunct="1">
+              <a:spcBef>
+                <a:spcPct val="20000"/>
+              </a:spcBef>
+              <a:buClr>
+                <a:schemeClr val="accent1"/>
+              </a:buClr>
+              <a:buFont typeface="Arial" pitchFamily="34" charset="0"/>
+              <a:buChar char="•"/>
+              <a:defRPr sz="1300" kern="1200">
+                <a:solidFill>
+                  <a:schemeClr val="tx1"/>
+                </a:solidFill>
+                <a:latin typeface="+mn-lt"/>
+                <a:ea typeface="+mn-ea"/>
+                <a:cs typeface="+mn-cs"/>
+              </a:defRPr>
+            </a:lvl7pPr>
+            <a:lvl8pPr marL="1737360" indent="-182880" algn="l" defTabSz="914400" rtl="0" eaLnBrk="1" latinLnBrk="0" hangingPunct="1">
+              <a:spcBef>
+                <a:spcPct val="20000"/>
+              </a:spcBef>
+              <a:buClr>
+                <a:schemeClr val="accent1"/>
+              </a:buClr>
+              <a:buFont typeface="Arial" pitchFamily="34" charset="0"/>
+              <a:buChar char="•"/>
+              <a:defRPr sz="1300" kern="1200">
+                <a:solidFill>
+                  <a:schemeClr val="tx1"/>
+                </a:solidFill>
+                <a:latin typeface="+mn-lt"/>
+                <a:ea typeface="+mn-ea"/>
+                <a:cs typeface="+mn-cs"/>
+              </a:defRPr>
+            </a:lvl8pPr>
+            <a:lvl9pPr marL="1920240" indent="-182880" algn="l" defTabSz="914400" rtl="0" eaLnBrk="1" latinLnBrk="0" hangingPunct="1">
+              <a:spcBef>
+                <a:spcPct val="20000"/>
+              </a:spcBef>
+              <a:buClr>
+                <a:schemeClr val="accent1"/>
+              </a:buClr>
+              <a:buFont typeface="Arial" pitchFamily="34" charset="0"/>
+              <a:buChar char="•"/>
+              <a:defRPr sz="1300" kern="1200">
+                <a:solidFill>
+                  <a:schemeClr val="tx1"/>
+                </a:solidFill>
+                <a:latin typeface="+mn-lt"/>
+                <a:ea typeface="+mn-ea"/>
+                <a:cs typeface="+mn-cs"/>
+              </a:defRPr>
+            </a:lvl9pPr>
+          </a:lstStyle>
+          <a:p>
+            <a:r>
+              <a:rPr lang="en-GB" dirty="0"/>
+              <a:t>The </a:t>
+            </a:r>
+            <a:r>
+              <a:rPr lang="en-GB" i="1" dirty="0"/>
+              <a:t>tt-metal-0.62.2 </a:t>
+            </a:r>
+            <a:r>
+              <a:rPr lang="en-GB" dirty="0"/>
+              <a:t>directory contains the </a:t>
+            </a:r>
+            <a:r>
+              <a:rPr lang="en-GB" dirty="0" err="1"/>
+              <a:t>Tenstorrent</a:t>
+            </a:r>
+            <a:r>
+              <a:rPr lang="en-GB" dirty="0"/>
+              <a:t> software stack</a:t>
+            </a:r>
+          </a:p>
+          <a:p>
+            <a:pPr lvl="1"/>
+            <a:r>
+              <a:rPr lang="en-GB" dirty="0"/>
+              <a:t>You don’t need to worry too much about this, but if you issue </a:t>
+            </a:r>
+            <a:r>
+              <a:rPr lang="en-GB" i="1" dirty="0"/>
+              <a:t>export </a:t>
+            </a:r>
+            <a:r>
+              <a:rPr lang="en-GB" dirty="0"/>
+              <a:t>you will see that there are some paths (e.g. </a:t>
+            </a:r>
+            <a:r>
+              <a:rPr lang="en-GB" i="1" dirty="0"/>
+              <a:t>TT_METAL_HOME</a:t>
+            </a:r>
+            <a:r>
+              <a:rPr lang="en-GB" dirty="0"/>
+              <a:t>) set up which point into this</a:t>
+            </a:r>
+          </a:p>
+          <a:p>
+            <a:pPr lvl="1"/>
+            <a:endParaRPr lang="en-GB" dirty="0"/>
+          </a:p>
+          <a:p>
+            <a:r>
+              <a:rPr lang="en-GB" dirty="0"/>
+              <a:t>We will be working with the </a:t>
+            </a:r>
+            <a:r>
+              <a:rPr lang="en-GB" i="1" dirty="0" err="1"/>
+              <a:t>tt</a:t>
+            </a:r>
+            <a:r>
+              <a:rPr lang="en-GB" i="1" dirty="0"/>
+              <a:t>-tutorial </a:t>
+            </a:r>
+            <a:r>
+              <a:rPr lang="en-GB" dirty="0"/>
+              <a:t>directory today which contains the </a:t>
+            </a:r>
+            <a:r>
+              <a:rPr lang="en-GB" dirty="0" err="1"/>
+              <a:t>practicals</a:t>
+            </a:r>
+            <a:endParaRPr lang="en-GB" dirty="0"/>
+          </a:p>
+          <a:p>
+            <a:endParaRPr lang="en-GB" dirty="0"/>
+          </a:p>
+          <a:p>
+            <a:endParaRPr lang="en-GB" dirty="0"/>
+          </a:p>
+          <a:p>
+            <a:endParaRPr lang="en-GB" dirty="0"/>
+          </a:p>
+          <a:p>
+            <a:endParaRPr lang="en-GB" dirty="0"/>
+          </a:p>
+          <a:p>
+            <a:endParaRPr lang="en-GB" dirty="0"/>
+          </a:p>
+          <a:p>
+            <a:r>
+              <a:rPr lang="en-GB" dirty="0"/>
+              <a:t>These correspond to </a:t>
+            </a:r>
+            <a:r>
+              <a:rPr lang="en-GB" dirty="0" err="1"/>
+              <a:t>practicals</a:t>
+            </a:r>
+            <a:r>
+              <a:rPr lang="en-GB" dirty="0"/>
+              <a:t> one through five that we will work with today</a:t>
+            </a:r>
+          </a:p>
+          <a:p>
+            <a:endParaRPr lang="en-GB" i="1" dirty="0"/>
+          </a:p>
+        </p:txBody>
+      </p:sp>
+      <p:sp>
+        <p:nvSpPr>
+          <p:cNvPr id="6" name="TextBox 5">
+            <a:extLst>
+              <a:ext uri="{FF2B5EF4-FFF2-40B4-BE49-F238E27FC236}">
+                <a16:creationId xmlns:a16="http://schemas.microsoft.com/office/drawing/2014/main" id="{0B8CD3A4-75F1-30B6-462F-8355611AE75A}"/>
+              </a:ext>
+            </a:extLst>
+          </p:cNvPr>
+          <p:cNvSpPr txBox="1"/>
+          <p:nvPr/>
+        </p:nvSpPr>
+        <p:spPr>
+          <a:xfrm>
+            <a:off x="609600" y="4591372"/>
+            <a:ext cx="10972800" cy="1569660"/>
+          </a:xfrm>
+          <a:prstGeom prst="rect">
+            <a:avLst/>
+          </a:prstGeom>
+          <a:solidFill>
+            <a:schemeClr val="tx1"/>
+          </a:solidFill>
+        </p:spPr>
+        <p:txBody>
+          <a:bodyPr wrap="square" rtlCol="0">
+            <a:spAutoFit/>
+          </a:bodyPr>
+          <a:lstStyle/>
+          <a:p>
+            <a:r>
+              <a:rPr lang="en-GB" sz="1600" dirty="0">
+                <a:solidFill>
+                  <a:schemeClr val="bg1"/>
+                </a:solidFill>
+                <a:latin typeface="Courier New" panose="02070309020205020404" pitchFamily="49" charset="0"/>
+                <a:cs typeface="Courier New" panose="02070309020205020404" pitchFamily="49" charset="0"/>
+              </a:rPr>
+              <a:t>[user-id@tenstorrent1 ~]$ cd </a:t>
+            </a:r>
+            <a:r>
+              <a:rPr lang="en-GB" sz="1600" dirty="0" err="1">
+                <a:solidFill>
+                  <a:schemeClr val="bg1"/>
+                </a:solidFill>
+                <a:latin typeface="Courier New" panose="02070309020205020404" pitchFamily="49" charset="0"/>
+                <a:cs typeface="Courier New" panose="02070309020205020404" pitchFamily="49" charset="0"/>
+              </a:rPr>
+              <a:t>tt</a:t>
+            </a:r>
+            <a:r>
+              <a:rPr lang="en-GB" sz="1600" dirty="0">
+                <a:solidFill>
+                  <a:schemeClr val="bg1"/>
+                </a:solidFill>
+                <a:latin typeface="Courier New" panose="02070309020205020404" pitchFamily="49" charset="0"/>
+                <a:cs typeface="Courier New" panose="02070309020205020404" pitchFamily="49" charset="0"/>
+              </a:rPr>
+              <a:t>-tutorial</a:t>
+            </a:r>
+          </a:p>
+          <a:p>
+            <a:r>
+              <a:rPr lang="en-GB" sz="1600" dirty="0">
+                <a:solidFill>
+                  <a:schemeClr val="bg1"/>
+                </a:solidFill>
+                <a:latin typeface="Courier New" panose="02070309020205020404" pitchFamily="49" charset="0"/>
+                <a:cs typeface="Courier New" panose="02070309020205020404" pitchFamily="49" charset="0"/>
+              </a:rPr>
+              <a:t>[user-id@tenstorrent1 ~/</a:t>
+            </a:r>
+            <a:r>
+              <a:rPr lang="en-GB" sz="1600" dirty="0" err="1">
+                <a:solidFill>
+                  <a:schemeClr val="bg1"/>
+                </a:solidFill>
+                <a:latin typeface="Courier New" panose="02070309020205020404" pitchFamily="49" charset="0"/>
+                <a:cs typeface="Courier New" panose="02070309020205020404" pitchFamily="49" charset="0"/>
+              </a:rPr>
+              <a:t>tt</a:t>
+            </a:r>
+            <a:r>
+              <a:rPr lang="en-GB" sz="1600" dirty="0">
+                <a:solidFill>
+                  <a:schemeClr val="bg1"/>
+                </a:solidFill>
+                <a:latin typeface="Courier New" panose="02070309020205020404" pitchFamily="49" charset="0"/>
+                <a:cs typeface="Courier New" panose="02070309020205020404" pitchFamily="49" charset="0"/>
+              </a:rPr>
+              <a:t>-tutorial]$ ls</a:t>
+            </a:r>
+          </a:p>
+          <a:p>
+            <a:r>
+              <a:rPr lang="en-GB" sz="1600" dirty="0">
+                <a:solidFill>
+                  <a:schemeClr val="bg1"/>
+                </a:solidFill>
+                <a:latin typeface="Courier New" panose="02070309020205020404" pitchFamily="49" charset="0"/>
+                <a:cs typeface="Courier New" panose="02070309020205020404" pitchFamily="49" charset="0"/>
+              </a:rPr>
+              <a:t>Lectures    LICENCE    practical    README</a:t>
+            </a:r>
+          </a:p>
+          <a:p>
+            <a:r>
+              <a:rPr lang="en-GB" sz="1600" dirty="0">
+                <a:solidFill>
+                  <a:schemeClr val="bg1"/>
+                </a:solidFill>
+                <a:latin typeface="Courier New" panose="02070309020205020404" pitchFamily="49" charset="0"/>
+                <a:cs typeface="Courier New" panose="02070309020205020404" pitchFamily="49" charset="0"/>
+              </a:rPr>
+              <a:t>[user-id@tenstorrent1 ~/</a:t>
+            </a:r>
+            <a:r>
+              <a:rPr lang="en-GB" sz="1600" dirty="0" err="1">
+                <a:solidFill>
+                  <a:schemeClr val="bg1"/>
+                </a:solidFill>
+                <a:latin typeface="Courier New" panose="02070309020205020404" pitchFamily="49" charset="0"/>
+                <a:cs typeface="Courier New" panose="02070309020205020404" pitchFamily="49" charset="0"/>
+              </a:rPr>
+              <a:t>tt</a:t>
+            </a:r>
+            <a:r>
+              <a:rPr lang="en-GB" sz="1600" dirty="0">
+                <a:solidFill>
+                  <a:schemeClr val="bg1"/>
+                </a:solidFill>
+                <a:latin typeface="Courier New" panose="02070309020205020404" pitchFamily="49" charset="0"/>
+                <a:cs typeface="Courier New" panose="02070309020205020404" pitchFamily="49" charset="0"/>
+              </a:rPr>
+              <a:t>-tutorial]$ cd practical</a:t>
+            </a:r>
+          </a:p>
+          <a:p>
+            <a:r>
+              <a:rPr lang="en-GB" sz="1600" dirty="0">
+                <a:solidFill>
+                  <a:schemeClr val="bg1"/>
+                </a:solidFill>
+                <a:latin typeface="Courier New" panose="02070309020205020404" pitchFamily="49" charset="0"/>
+                <a:cs typeface="Courier New" panose="02070309020205020404" pitchFamily="49" charset="0"/>
+              </a:rPr>
+              <a:t>[user-id@tenstorrent1 ~/</a:t>
+            </a:r>
+            <a:r>
+              <a:rPr lang="en-GB" sz="1600" dirty="0" err="1">
+                <a:solidFill>
+                  <a:schemeClr val="bg1"/>
+                </a:solidFill>
+                <a:latin typeface="Courier New" panose="02070309020205020404" pitchFamily="49" charset="0"/>
+                <a:cs typeface="Courier New" panose="02070309020205020404" pitchFamily="49" charset="0"/>
+              </a:rPr>
+              <a:t>tt</a:t>
+            </a:r>
+            <a:r>
+              <a:rPr lang="en-GB" sz="1600" dirty="0">
+                <a:solidFill>
+                  <a:schemeClr val="bg1"/>
+                </a:solidFill>
+                <a:latin typeface="Courier New" panose="02070309020205020404" pitchFamily="49" charset="0"/>
+                <a:cs typeface="Courier New" panose="02070309020205020404" pitchFamily="49" charset="0"/>
+              </a:rPr>
+              <a:t>-tutorial/practical]$ ls</a:t>
+            </a:r>
+          </a:p>
+          <a:p>
+            <a:r>
+              <a:rPr lang="en-GB" sz="1600" dirty="0">
+                <a:solidFill>
+                  <a:schemeClr val="bg1"/>
+                </a:solidFill>
+                <a:latin typeface="Courier New" panose="02070309020205020404" pitchFamily="49" charset="0"/>
+                <a:cs typeface="Courier New" panose="02070309020205020404" pitchFamily="49" charset="0"/>
+              </a:rPr>
+              <a:t>five   four   general   one   README.md   three   two</a:t>
+            </a:r>
+          </a:p>
+        </p:txBody>
+      </p:sp>
+    </p:spTree>
+    <p:extLst>
+      <p:ext uri="{BB962C8B-B14F-4D97-AF65-F5344CB8AC3E}">
+        <p14:creationId xmlns:p14="http://schemas.microsoft.com/office/powerpoint/2010/main" val="3126327014"/>
+      </p:ext>
+    </p:extLst>
+  </p:cSld>
+  <p:clrMapOvr>
+    <a:masterClrMapping/>
+  </p:clrMapOvr>
+</p:sld>
+</file>
+
+<file path=ppt/slides/slide6.xml><?xml version="1.0" encoding="utf-8"?>
+<p:sld xmlns:a="http://schemas.openxmlformats.org/drawingml/2006/main" xmlns:r="http://schemas.openxmlformats.org/officeDocument/2006/relationships" xmlns:p="http://schemas.openxmlformats.org/presentationml/2006/main">
+  <p:cSld>
+    <p:spTree>
+      <p:nvGrpSpPr>
+        <p:cNvPr id="1" name=""/>
+        <p:cNvGrpSpPr/>
+        <p:nvPr/>
+      </p:nvGrpSpPr>
+      <p:grpSpPr>
+        <a:xfrm>
+          <a:off x="0" y="0"/>
+          <a:ext cx="0" cy="0"/>
+          <a:chOff x="0" y="0"/>
+          <a:chExt cx="0" cy="0"/>
+        </a:xfrm>
+      </p:grpSpPr>
+      <p:sp>
+        <p:nvSpPr>
+          <p:cNvPr id="2" name="Title 1">
+            <a:extLst>
+              <a:ext uri="{FF2B5EF4-FFF2-40B4-BE49-F238E27FC236}">
+                <a16:creationId xmlns:a16="http://schemas.microsoft.com/office/drawing/2014/main" id="{6682D70F-8F04-A523-4C0A-9C583445C9C0}"/>
+              </a:ext>
+            </a:extLst>
+          </p:cNvPr>
+          <p:cNvSpPr>
+            <a:spLocks noGrp="1"/>
+          </p:cNvSpPr>
+          <p:nvPr>
+            <p:ph type="title"/>
+          </p:nvPr>
+        </p:nvSpPr>
+        <p:spPr/>
+        <p:txBody>
+          <a:bodyPr/>
+          <a:lstStyle/>
+          <a:p>
+            <a:r>
+              <a:rPr lang="en-GB" dirty="0"/>
+              <a:t>A really useful tool</a:t>
+            </a:r>
+          </a:p>
+        </p:txBody>
+      </p:sp>
+      <p:sp>
+        <p:nvSpPr>
+          <p:cNvPr id="3" name="Content Placeholder 2">
+            <a:extLst>
+              <a:ext uri="{FF2B5EF4-FFF2-40B4-BE49-F238E27FC236}">
+                <a16:creationId xmlns:a16="http://schemas.microsoft.com/office/drawing/2014/main" id="{90E183EF-60E0-F172-E37D-0B6B1222151B}"/>
+              </a:ext>
+            </a:extLst>
+          </p:cNvPr>
+          <p:cNvSpPr>
+            <a:spLocks noGrp="1"/>
+          </p:cNvSpPr>
+          <p:nvPr>
+            <p:ph idx="1"/>
+          </p:nvPr>
+        </p:nvSpPr>
+        <p:spPr/>
+        <p:txBody>
+          <a:bodyPr/>
+          <a:lstStyle/>
+          <a:p>
+            <a:r>
+              <a:rPr lang="sv-SE" dirty="0"/>
+              <a:t>Tenstorrent System Management Interface (TT-SMI) </a:t>
+            </a:r>
+            <a:r>
+              <a:rPr lang="en-GB" dirty="0"/>
+              <a:t>is a command line utility that enables us to interact with </a:t>
+            </a:r>
+            <a:r>
+              <a:rPr lang="en-GB" dirty="0" err="1"/>
+              <a:t>Tenstorrent</a:t>
+            </a:r>
+            <a:r>
+              <a:rPr lang="en-GB" dirty="0"/>
+              <a:t> devices connected to a host</a:t>
+            </a:r>
+          </a:p>
+          <a:p>
+            <a:endParaRPr lang="en-GB" dirty="0"/>
+          </a:p>
+          <a:p>
+            <a:endParaRPr lang="en-GB" dirty="0"/>
+          </a:p>
+          <a:p>
+            <a:r>
+              <a:rPr lang="en-GB" dirty="0"/>
+              <a:t>Brings up an </a:t>
+            </a:r>
+            <a:r>
+              <a:rPr lang="en-GB" dirty="0" err="1"/>
+              <a:t>ncurses</a:t>
+            </a:r>
+            <a:r>
+              <a:rPr lang="en-GB" dirty="0"/>
+              <a:t> dialog with information about the card, including telemetry (e.g. power draw, temperature, clock frequency)</a:t>
+            </a:r>
+          </a:p>
+          <a:p>
+            <a:endParaRPr lang="en-GB" dirty="0"/>
+          </a:p>
+          <a:p>
+            <a:r>
+              <a:rPr lang="en-GB" dirty="0"/>
+              <a:t>Most usefully this can be used to reset the device if it hangs/gets stuck</a:t>
+            </a:r>
+          </a:p>
+          <a:p>
+            <a:pPr lvl="1"/>
+            <a:r>
+              <a:rPr lang="en-GB" dirty="0"/>
+              <a:t>Please don’t use this during the tutorial (unless it really gets stuck!) as multiple people will be running on the same device, so you might reset their run!</a:t>
+            </a:r>
+          </a:p>
+          <a:p>
+            <a:endParaRPr lang="en-GB" dirty="0"/>
+          </a:p>
+          <a:p>
+            <a:endParaRPr lang="en-GB" dirty="0"/>
+          </a:p>
+        </p:txBody>
+      </p:sp>
+      <p:sp>
+        <p:nvSpPr>
+          <p:cNvPr id="4" name="TextBox 3">
+            <a:extLst>
+              <a:ext uri="{FF2B5EF4-FFF2-40B4-BE49-F238E27FC236}">
+                <a16:creationId xmlns:a16="http://schemas.microsoft.com/office/drawing/2014/main" id="{FC5C755C-30B7-CACA-0942-02DA78E59E98}"/>
+              </a:ext>
+            </a:extLst>
+          </p:cNvPr>
+          <p:cNvSpPr txBox="1"/>
+          <p:nvPr/>
+        </p:nvSpPr>
+        <p:spPr>
+          <a:xfrm>
+            <a:off x="609600" y="2636912"/>
+            <a:ext cx="10972800" cy="338554"/>
+          </a:xfrm>
+          <a:prstGeom prst="rect">
+            <a:avLst/>
+          </a:prstGeom>
+          <a:solidFill>
+            <a:schemeClr val="tx1"/>
+          </a:solidFill>
+        </p:spPr>
+        <p:txBody>
+          <a:bodyPr wrap="square" rtlCol="0">
+            <a:spAutoFit/>
+          </a:bodyPr>
+          <a:lstStyle/>
+          <a:p>
+            <a:r>
+              <a:rPr lang="en-GB" sz="1600" dirty="0">
+                <a:solidFill>
+                  <a:schemeClr val="bg1"/>
+                </a:solidFill>
+                <a:latin typeface="Courier New" panose="02070309020205020404" pitchFamily="49" charset="0"/>
+                <a:cs typeface="Courier New" panose="02070309020205020404" pitchFamily="49" charset="0"/>
+              </a:rPr>
+              <a:t>[user-id@tenstorrent1 ~]$ </a:t>
+            </a:r>
+            <a:r>
+              <a:rPr lang="en-GB" sz="1600" dirty="0" err="1">
+                <a:solidFill>
+                  <a:schemeClr val="bg1"/>
+                </a:solidFill>
+                <a:latin typeface="Courier New" panose="02070309020205020404" pitchFamily="49" charset="0"/>
+                <a:cs typeface="Courier New" panose="02070309020205020404" pitchFamily="49" charset="0"/>
+              </a:rPr>
+              <a:t>tt-smi</a:t>
+            </a:r>
+            <a:endParaRPr lang="en-GB" sz="1600" dirty="0">
+              <a:solidFill>
+                <a:schemeClr val="bg1"/>
+              </a:solidFill>
+              <a:latin typeface="Courier New" panose="02070309020205020404" pitchFamily="49" charset="0"/>
+              <a:cs typeface="Courier New" panose="02070309020205020404" pitchFamily="49" charset="0"/>
+            </a:endParaRPr>
+          </a:p>
+        </p:txBody>
+      </p:sp>
+      <p:sp>
+        <p:nvSpPr>
+          <p:cNvPr id="5" name="TextBox 4">
+            <a:extLst>
+              <a:ext uri="{FF2B5EF4-FFF2-40B4-BE49-F238E27FC236}">
+                <a16:creationId xmlns:a16="http://schemas.microsoft.com/office/drawing/2014/main" id="{DC9C199C-68AE-FD07-1005-6703C9DB81C3}"/>
+              </a:ext>
+            </a:extLst>
+          </p:cNvPr>
+          <p:cNvSpPr txBox="1"/>
+          <p:nvPr/>
+        </p:nvSpPr>
+        <p:spPr>
+          <a:xfrm>
+            <a:off x="609600" y="5919735"/>
+            <a:ext cx="10972800" cy="338554"/>
+          </a:xfrm>
+          <a:prstGeom prst="rect">
+            <a:avLst/>
+          </a:prstGeom>
+          <a:solidFill>
+            <a:schemeClr val="tx1"/>
+          </a:solidFill>
+        </p:spPr>
+        <p:txBody>
+          <a:bodyPr wrap="square" rtlCol="0">
+            <a:spAutoFit/>
+          </a:bodyPr>
+          <a:lstStyle/>
+          <a:p>
+            <a:r>
+              <a:rPr lang="en-GB" sz="1600" dirty="0">
+                <a:solidFill>
+                  <a:schemeClr val="bg1"/>
+                </a:solidFill>
+                <a:latin typeface="Courier New" panose="02070309020205020404" pitchFamily="49" charset="0"/>
+                <a:cs typeface="Courier New" panose="02070309020205020404" pitchFamily="49" charset="0"/>
+              </a:rPr>
+              <a:t>[user-id@tenstorrent1 ~]$ </a:t>
+            </a:r>
+            <a:r>
+              <a:rPr lang="en-GB" sz="1600" dirty="0" err="1">
+                <a:solidFill>
+                  <a:schemeClr val="bg1"/>
+                </a:solidFill>
+                <a:latin typeface="Courier New" panose="02070309020205020404" pitchFamily="49" charset="0"/>
+                <a:cs typeface="Courier New" panose="02070309020205020404" pitchFamily="49" charset="0"/>
+              </a:rPr>
+              <a:t>tt-smi</a:t>
+            </a:r>
+            <a:r>
+              <a:rPr lang="en-GB" sz="1600" dirty="0">
+                <a:solidFill>
+                  <a:schemeClr val="bg1"/>
+                </a:solidFill>
+                <a:latin typeface="Courier New" panose="02070309020205020404" pitchFamily="49" charset="0"/>
+                <a:cs typeface="Courier New" panose="02070309020205020404" pitchFamily="49" charset="0"/>
+              </a:rPr>
+              <a:t> -r</a:t>
+            </a:r>
+          </a:p>
+        </p:txBody>
+      </p:sp>
+    </p:spTree>
+    <p:extLst>
+      <p:ext uri="{BB962C8B-B14F-4D97-AF65-F5344CB8AC3E}">
+        <p14:creationId xmlns:p14="http://schemas.microsoft.com/office/powerpoint/2010/main" val="1204828523"/>
+      </p:ext>
+    </p:extLst>
+  </p:cSld>
+  <p:clrMapOvr>
+    <a:masterClrMapping/>
+  </p:clrMapOvr>
+</p:sld>
+</file>
+
+<file path=ppt/slides/slide7.xml><?xml version="1.0" encoding="utf-8"?>
+<p:sld xmlns:a="http://schemas.openxmlformats.org/drawingml/2006/main" xmlns:r="http://schemas.openxmlformats.org/officeDocument/2006/relationships" xmlns:p="http://schemas.openxmlformats.org/presentationml/2006/main">
+  <p:cSld>
+    <p:spTree>
+      <p:nvGrpSpPr>
+        <p:cNvPr id="1" name=""/>
+        <p:cNvGrpSpPr/>
+        <p:nvPr/>
+      </p:nvGrpSpPr>
+      <p:grpSpPr>
+        <a:xfrm>
+          <a:off x="0" y="0"/>
+          <a:ext cx="0" cy="0"/>
+          <a:chOff x="0" y="0"/>
+          <a:chExt cx="0" cy="0"/>
+        </a:xfrm>
+      </p:grpSpPr>
+      <p:sp>
+        <p:nvSpPr>
+          <p:cNvPr id="2" name="Title 1">
+            <a:extLst>
+              <a:ext uri="{FF2B5EF4-FFF2-40B4-BE49-F238E27FC236}">
+                <a16:creationId xmlns:a16="http://schemas.microsoft.com/office/drawing/2014/main" id="{EF693098-ADA8-207B-BAEC-81AE93985A8A}"/>
+              </a:ext>
+            </a:extLst>
+          </p:cNvPr>
+          <p:cNvSpPr>
+            <a:spLocks noGrp="1"/>
+          </p:cNvSpPr>
+          <p:nvPr>
+            <p:ph type="title"/>
+          </p:nvPr>
+        </p:nvSpPr>
+        <p:spPr/>
+        <p:txBody>
+          <a:bodyPr/>
+          <a:lstStyle/>
+          <a:p>
+            <a:r>
+              <a:rPr lang="en-GB" dirty="0"/>
+              <a:t>Sharing the Wormhole: Your executable is running</a:t>
+            </a:r>
+          </a:p>
+        </p:txBody>
+      </p:sp>
+      <p:sp>
+        <p:nvSpPr>
+          <p:cNvPr id="3" name="Content Placeholder 2">
+            <a:extLst>
+              <a:ext uri="{FF2B5EF4-FFF2-40B4-BE49-F238E27FC236}">
+                <a16:creationId xmlns:a16="http://schemas.microsoft.com/office/drawing/2014/main" id="{0CAB6810-D9D8-D1F8-2DC7-87BEFD1A69CB}"/>
+              </a:ext>
+            </a:extLst>
+          </p:cNvPr>
+          <p:cNvSpPr>
+            <a:spLocks noGrp="1"/>
+          </p:cNvSpPr>
+          <p:nvPr>
+            <p:ph idx="1"/>
+          </p:nvPr>
+        </p:nvSpPr>
+        <p:spPr>
+          <a:xfrm>
+            <a:off x="609600" y="5916725"/>
+            <a:ext cx="10972800" cy="815752"/>
+          </a:xfrm>
+        </p:spPr>
+        <p:txBody>
+          <a:bodyPr>
+            <a:normAutofit lnSpcReduction="10000"/>
+          </a:bodyPr>
+          <a:lstStyle/>
+          <a:p>
+            <a:pPr marL="0" indent="0" algn="ctr">
+              <a:buNone/>
+            </a:pPr>
+            <a:r>
+              <a:rPr lang="en-GB" dirty="0" err="1">
+                <a:solidFill>
+                  <a:srgbClr val="0070C0"/>
+                </a:solidFill>
+              </a:rPr>
+              <a:t>Tenstorrent’s</a:t>
+            </a:r>
+            <a:r>
+              <a:rPr lang="en-GB" dirty="0">
+                <a:solidFill>
+                  <a:srgbClr val="0070C0"/>
+                </a:solidFill>
+              </a:rPr>
+              <a:t> kernel driver protects against users concurrently running, but this is a little rudimentary</a:t>
+            </a:r>
+          </a:p>
+        </p:txBody>
+      </p:sp>
+      <p:sp>
+        <p:nvSpPr>
+          <p:cNvPr id="4" name="TextBox 3">
+            <a:extLst>
+              <a:ext uri="{FF2B5EF4-FFF2-40B4-BE49-F238E27FC236}">
+                <a16:creationId xmlns:a16="http://schemas.microsoft.com/office/drawing/2014/main" id="{9F9DABE4-5688-6AE7-6180-4D6C0E6BD3B9}"/>
+              </a:ext>
+            </a:extLst>
+          </p:cNvPr>
+          <p:cNvSpPr txBox="1"/>
+          <p:nvPr/>
+        </p:nvSpPr>
+        <p:spPr>
+          <a:xfrm>
+            <a:off x="292274" y="1988840"/>
+            <a:ext cx="11881320" cy="2677656"/>
+          </a:xfrm>
+          <a:prstGeom prst="rect">
+            <a:avLst/>
+          </a:prstGeom>
+          <a:solidFill>
+            <a:schemeClr val="tx1"/>
+          </a:solidFill>
+        </p:spPr>
+        <p:txBody>
+          <a:bodyPr wrap="square" rtlCol="0">
+            <a:spAutoFit/>
+          </a:bodyPr>
+          <a:lstStyle/>
+          <a:p>
+            <a:r>
+              <a:rPr lang="en-GB" sz="1050" dirty="0">
+                <a:solidFill>
+                  <a:schemeClr val="bg1"/>
+                </a:solidFill>
+                <a:latin typeface="Courier New" panose="02070309020205020404" pitchFamily="49" charset="0"/>
+                <a:cs typeface="Courier New" panose="02070309020205020404" pitchFamily="49" charset="0"/>
+              </a:rPr>
+              <a:t>[user-id@tenstorrent1 ~]$ ./</a:t>
+            </a:r>
+            <a:r>
+              <a:rPr lang="en-GB" sz="1050" dirty="0" err="1">
+                <a:solidFill>
+                  <a:schemeClr val="bg1"/>
+                </a:solidFill>
+                <a:latin typeface="Courier New" panose="02070309020205020404" pitchFamily="49" charset="0"/>
+                <a:cs typeface="Courier New" panose="02070309020205020404" pitchFamily="49" charset="0"/>
+              </a:rPr>
+              <a:t>ex_five</a:t>
+            </a:r>
+            <a:endParaRPr lang="en-GB" sz="1050" dirty="0">
+              <a:solidFill>
+                <a:schemeClr val="bg1"/>
+              </a:solidFill>
+              <a:latin typeface="Courier New" panose="02070309020205020404" pitchFamily="49" charset="0"/>
+              <a:cs typeface="Courier New" panose="02070309020205020404" pitchFamily="49" charset="0"/>
+            </a:endParaRPr>
+          </a:p>
+          <a:p>
+            <a:r>
+              <a:rPr lang="en-GB" sz="1050" dirty="0">
+                <a:solidFill>
+                  <a:schemeClr val="bg1"/>
+                </a:solidFill>
+                <a:latin typeface="Courier New" panose="02070309020205020404" pitchFamily="49" charset="0"/>
+                <a:cs typeface="Courier New" panose="02070309020205020404" pitchFamily="49" charset="0"/>
+              </a:rPr>
+              <a:t>2025-09-01 18:38:54.566 | info     |   </a:t>
+            </a:r>
+            <a:r>
+              <a:rPr lang="en-GB" sz="1050" dirty="0" err="1">
+                <a:solidFill>
+                  <a:schemeClr val="bg1"/>
+                </a:solidFill>
+                <a:latin typeface="Courier New" panose="02070309020205020404" pitchFamily="49" charset="0"/>
+                <a:cs typeface="Courier New" panose="02070309020205020404" pitchFamily="49" charset="0"/>
+              </a:rPr>
+              <a:t>SiliconDriver</a:t>
+            </a:r>
+            <a:r>
+              <a:rPr lang="en-GB" sz="1050" dirty="0">
+                <a:solidFill>
+                  <a:schemeClr val="bg1"/>
+                </a:solidFill>
+                <a:latin typeface="Courier New" panose="02070309020205020404" pitchFamily="49" charset="0"/>
+                <a:cs typeface="Courier New" panose="02070309020205020404" pitchFamily="49" charset="0"/>
+              </a:rPr>
+              <a:t> | Opened PCI device 0; KMD version: 1.29.0; API: 1; IOMMU: disabled (pci_device.cpp:197)</a:t>
+            </a:r>
+          </a:p>
+          <a:p>
+            <a:r>
+              <a:rPr lang="en-GB" sz="1050" dirty="0">
+                <a:solidFill>
+                  <a:schemeClr val="bg1"/>
+                </a:solidFill>
+                <a:latin typeface="Courier New" panose="02070309020205020404" pitchFamily="49" charset="0"/>
+                <a:cs typeface="Courier New" panose="02070309020205020404" pitchFamily="49" charset="0"/>
+              </a:rPr>
+              <a:t>2025-09-01 18:38:54.579 | info     |          Device | Opening user mode device driver (tt_cluster.cpp:192)</a:t>
+            </a:r>
+          </a:p>
+          <a:p>
+            <a:r>
+              <a:rPr lang="en-GB" sz="1050" dirty="0">
+                <a:solidFill>
+                  <a:schemeClr val="bg1"/>
+                </a:solidFill>
+                <a:latin typeface="Courier New" panose="02070309020205020404" pitchFamily="49" charset="0"/>
+                <a:cs typeface="Courier New" panose="02070309020205020404" pitchFamily="49" charset="0"/>
+              </a:rPr>
+              <a:t>2025-09-01 18:38:54.579 | info     |   </a:t>
+            </a:r>
+            <a:r>
+              <a:rPr lang="en-GB" sz="1050" dirty="0" err="1">
+                <a:solidFill>
+                  <a:schemeClr val="bg1"/>
+                </a:solidFill>
+                <a:latin typeface="Courier New" panose="02070309020205020404" pitchFamily="49" charset="0"/>
+                <a:cs typeface="Courier New" panose="02070309020205020404" pitchFamily="49" charset="0"/>
+              </a:rPr>
+              <a:t>SiliconDriver</a:t>
+            </a:r>
+            <a:r>
+              <a:rPr lang="en-GB" sz="1050" dirty="0">
+                <a:solidFill>
+                  <a:schemeClr val="bg1"/>
+                </a:solidFill>
+                <a:latin typeface="Courier New" panose="02070309020205020404" pitchFamily="49" charset="0"/>
+                <a:cs typeface="Courier New" panose="02070309020205020404" pitchFamily="49" charset="0"/>
+              </a:rPr>
+              <a:t> | Opened PCI device 0; KMD version: 1.29.0; API: 1; IOMMU: disabled (pci_device.cpp:197)</a:t>
+            </a:r>
+          </a:p>
+          <a:p>
+            <a:r>
+              <a:rPr lang="en-GB" sz="1050" dirty="0">
+                <a:solidFill>
+                  <a:schemeClr val="bg1"/>
+                </a:solidFill>
+                <a:latin typeface="Courier New" panose="02070309020205020404" pitchFamily="49" charset="0"/>
+                <a:cs typeface="Courier New" panose="02070309020205020404" pitchFamily="49" charset="0"/>
+              </a:rPr>
+              <a:t>2025-09-01 18:38:54.590 | info     |   </a:t>
+            </a:r>
+            <a:r>
+              <a:rPr lang="en-GB" sz="1050" dirty="0" err="1">
+                <a:solidFill>
+                  <a:schemeClr val="bg1"/>
+                </a:solidFill>
+                <a:latin typeface="Courier New" panose="02070309020205020404" pitchFamily="49" charset="0"/>
+                <a:cs typeface="Courier New" panose="02070309020205020404" pitchFamily="49" charset="0"/>
+              </a:rPr>
+              <a:t>SiliconDriver</a:t>
+            </a:r>
+            <a:r>
+              <a:rPr lang="en-GB" sz="1050" dirty="0">
+                <a:solidFill>
+                  <a:schemeClr val="bg1"/>
+                </a:solidFill>
+                <a:latin typeface="Courier New" panose="02070309020205020404" pitchFamily="49" charset="0"/>
+                <a:cs typeface="Courier New" panose="02070309020205020404" pitchFamily="49" charset="0"/>
+              </a:rPr>
+              <a:t> | Opened PCI device 0; KMD version: 1.29.0; API: 1; IOMMU: disabled (pci_device.cpp:197)</a:t>
+            </a:r>
+          </a:p>
+          <a:p>
+            <a:r>
+              <a:rPr lang="en-GB" sz="1050" dirty="0">
+                <a:solidFill>
+                  <a:schemeClr val="bg1"/>
+                </a:solidFill>
+                <a:latin typeface="Courier New" panose="02070309020205020404" pitchFamily="49" charset="0"/>
+                <a:cs typeface="Courier New" panose="02070309020205020404" pitchFamily="49" charset="0"/>
+              </a:rPr>
+              <a:t>2025-09-01 18:38:54.601 | info     |   </a:t>
+            </a:r>
+            <a:r>
+              <a:rPr lang="en-GB" sz="1050" dirty="0" err="1">
+                <a:solidFill>
+                  <a:schemeClr val="bg1"/>
+                </a:solidFill>
+                <a:latin typeface="Courier New" panose="02070309020205020404" pitchFamily="49" charset="0"/>
+                <a:cs typeface="Courier New" panose="02070309020205020404" pitchFamily="49" charset="0"/>
+              </a:rPr>
+              <a:t>SiliconDriver</a:t>
+            </a:r>
+            <a:r>
+              <a:rPr lang="en-GB" sz="1050" dirty="0">
+                <a:solidFill>
+                  <a:schemeClr val="bg1"/>
+                </a:solidFill>
+                <a:latin typeface="Courier New" panose="02070309020205020404" pitchFamily="49" charset="0"/>
+                <a:cs typeface="Courier New" panose="02070309020205020404" pitchFamily="49" charset="0"/>
+              </a:rPr>
+              <a:t> | Harvesting mask for chip 0 is 0x300 (NOC0: 0x300, simulated harvesting mask: 0x0). (cluster.cpp:295)</a:t>
+            </a:r>
+          </a:p>
+          <a:p>
+            <a:r>
+              <a:rPr lang="en-GB" sz="1050" dirty="0">
+                <a:solidFill>
+                  <a:schemeClr val="bg1"/>
+                </a:solidFill>
+                <a:latin typeface="Courier New" panose="02070309020205020404" pitchFamily="49" charset="0"/>
+                <a:cs typeface="Courier New" panose="02070309020205020404" pitchFamily="49" charset="0"/>
+              </a:rPr>
+              <a:t>2025-09-01 18:38:54.603 | info     |   </a:t>
+            </a:r>
+            <a:r>
+              <a:rPr lang="en-GB" sz="1050" dirty="0" err="1">
+                <a:solidFill>
+                  <a:schemeClr val="bg1"/>
+                </a:solidFill>
+                <a:latin typeface="Courier New" panose="02070309020205020404" pitchFamily="49" charset="0"/>
+                <a:cs typeface="Courier New" panose="02070309020205020404" pitchFamily="49" charset="0"/>
+              </a:rPr>
+              <a:t>SiliconDriver</a:t>
+            </a:r>
+            <a:r>
+              <a:rPr lang="en-GB" sz="1050" dirty="0">
+                <a:solidFill>
+                  <a:schemeClr val="bg1"/>
+                </a:solidFill>
+                <a:latin typeface="Courier New" panose="02070309020205020404" pitchFamily="49" charset="0"/>
+                <a:cs typeface="Courier New" panose="02070309020205020404" pitchFamily="49" charset="0"/>
+              </a:rPr>
+              <a:t> | Opened PCI device 0; KMD version: 1.29.0; API: 1; IOMMU: disabled (pci_device.cpp:197)</a:t>
+            </a:r>
+          </a:p>
+          <a:p>
+            <a:r>
+              <a:rPr lang="en-GB" sz="1050" dirty="0">
+                <a:solidFill>
+                  <a:schemeClr val="bg1"/>
+                </a:solidFill>
+                <a:latin typeface="Courier New" panose="02070309020205020404" pitchFamily="49" charset="0"/>
+                <a:cs typeface="Courier New" panose="02070309020205020404" pitchFamily="49" charset="0"/>
+              </a:rPr>
+              <a:t>2025-09-01 18:38:54.699 | info     |   </a:t>
+            </a:r>
+            <a:r>
+              <a:rPr lang="en-GB" sz="1050" dirty="0" err="1">
+                <a:solidFill>
+                  <a:schemeClr val="bg1"/>
+                </a:solidFill>
+                <a:latin typeface="Courier New" panose="02070309020205020404" pitchFamily="49" charset="0"/>
+                <a:cs typeface="Courier New" panose="02070309020205020404" pitchFamily="49" charset="0"/>
+              </a:rPr>
+              <a:t>SiliconDriver</a:t>
+            </a:r>
+            <a:r>
+              <a:rPr lang="en-GB" sz="1050" dirty="0">
+                <a:solidFill>
+                  <a:schemeClr val="bg1"/>
+                </a:solidFill>
+                <a:latin typeface="Courier New" panose="02070309020205020404" pitchFamily="49" charset="0"/>
+                <a:cs typeface="Courier New" panose="02070309020205020404" pitchFamily="49" charset="0"/>
+              </a:rPr>
+              <a:t> | Harvesting mask for chip 1 is 0x204 (NOC0: 0x204, simulated harvesting mask: 0x0). (cluster.cpp:295)</a:t>
+            </a:r>
+          </a:p>
+          <a:p>
+            <a:r>
+              <a:rPr lang="en-GB" sz="1050" dirty="0">
+                <a:solidFill>
+                  <a:schemeClr val="bg1"/>
+                </a:solidFill>
+                <a:latin typeface="Courier New" panose="02070309020205020404" pitchFamily="49" charset="0"/>
+                <a:cs typeface="Courier New" panose="02070309020205020404" pitchFamily="49" charset="0"/>
+              </a:rPr>
+              <a:t>2025-09-01 18:38:54.702 | info     |   </a:t>
+            </a:r>
+            <a:r>
+              <a:rPr lang="en-GB" sz="1050" dirty="0" err="1">
+                <a:solidFill>
+                  <a:schemeClr val="bg1"/>
+                </a:solidFill>
+                <a:latin typeface="Courier New" panose="02070309020205020404" pitchFamily="49" charset="0"/>
+                <a:cs typeface="Courier New" panose="02070309020205020404" pitchFamily="49" charset="0"/>
+              </a:rPr>
+              <a:t>SiliconDriver</a:t>
+            </a:r>
+            <a:r>
+              <a:rPr lang="en-GB" sz="1050" dirty="0">
+                <a:solidFill>
+                  <a:schemeClr val="bg1"/>
+                </a:solidFill>
+                <a:latin typeface="Courier New" panose="02070309020205020404" pitchFamily="49" charset="0"/>
+                <a:cs typeface="Courier New" panose="02070309020205020404" pitchFamily="49" charset="0"/>
+              </a:rPr>
+              <a:t> | Opening local chip ids/</a:t>
+            </a:r>
+            <a:r>
+              <a:rPr lang="en-GB" sz="1050" dirty="0" err="1">
+                <a:solidFill>
+                  <a:schemeClr val="bg1"/>
+                </a:solidFill>
+                <a:latin typeface="Courier New" panose="02070309020205020404" pitchFamily="49" charset="0"/>
+                <a:cs typeface="Courier New" panose="02070309020205020404" pitchFamily="49" charset="0"/>
+              </a:rPr>
+              <a:t>pci</a:t>
+            </a:r>
+            <a:r>
+              <a:rPr lang="en-GB" sz="1050" dirty="0">
+                <a:solidFill>
+                  <a:schemeClr val="bg1"/>
+                </a:solidFill>
+                <a:latin typeface="Courier New" panose="02070309020205020404" pitchFamily="49" charset="0"/>
+                <a:cs typeface="Courier New" panose="02070309020205020404" pitchFamily="49" charset="0"/>
+              </a:rPr>
+              <a:t> ids: {0}/[0] and remote chip ids {1} (cluster.cpp:157)</a:t>
+            </a:r>
+          </a:p>
+          <a:p>
+            <a:r>
+              <a:rPr lang="en-GB" sz="1050" dirty="0">
+                <a:solidFill>
+                  <a:schemeClr val="bg1"/>
+                </a:solidFill>
+                <a:latin typeface="Courier New" panose="02070309020205020404" pitchFamily="49" charset="0"/>
+                <a:cs typeface="Courier New" panose="02070309020205020404" pitchFamily="49" charset="0"/>
+              </a:rPr>
+              <a:t>2025-09-01 18:38:54.705 | info     |   </a:t>
+            </a:r>
+            <a:r>
+              <a:rPr lang="en-GB" sz="1050" dirty="0" err="1">
+                <a:solidFill>
+                  <a:schemeClr val="bg1"/>
+                </a:solidFill>
+                <a:latin typeface="Courier New" panose="02070309020205020404" pitchFamily="49" charset="0"/>
+                <a:cs typeface="Courier New" panose="02070309020205020404" pitchFamily="49" charset="0"/>
+              </a:rPr>
+              <a:t>SiliconDriver</a:t>
+            </a:r>
+            <a:r>
+              <a:rPr lang="en-GB" sz="1050" dirty="0">
+                <a:solidFill>
+                  <a:schemeClr val="bg1"/>
+                </a:solidFill>
+                <a:latin typeface="Courier New" panose="02070309020205020404" pitchFamily="49" charset="0"/>
+                <a:cs typeface="Courier New" panose="02070309020205020404" pitchFamily="49" charset="0"/>
+              </a:rPr>
+              <a:t> | All devices in cluster running firmware version: 255.255.0 (cluster.cpp:138)</a:t>
+            </a:r>
+          </a:p>
+          <a:p>
+            <a:r>
+              <a:rPr lang="en-GB" sz="1050" dirty="0">
+                <a:solidFill>
+                  <a:schemeClr val="bg1"/>
+                </a:solidFill>
+                <a:latin typeface="Courier New" panose="02070309020205020404" pitchFamily="49" charset="0"/>
+                <a:cs typeface="Courier New" panose="02070309020205020404" pitchFamily="49" charset="0"/>
+              </a:rPr>
+              <a:t>2025-09-01 18:38:54.705 | info     |   </a:t>
+            </a:r>
+            <a:r>
+              <a:rPr lang="en-GB" sz="1050" dirty="0" err="1">
+                <a:solidFill>
+                  <a:schemeClr val="bg1"/>
+                </a:solidFill>
+                <a:latin typeface="Courier New" panose="02070309020205020404" pitchFamily="49" charset="0"/>
+                <a:cs typeface="Courier New" panose="02070309020205020404" pitchFamily="49" charset="0"/>
+              </a:rPr>
+              <a:t>SiliconDriver</a:t>
+            </a:r>
+            <a:r>
+              <a:rPr lang="en-GB" sz="1050" dirty="0">
+                <a:solidFill>
+                  <a:schemeClr val="bg1"/>
+                </a:solidFill>
+                <a:latin typeface="Courier New" panose="02070309020205020404" pitchFamily="49" charset="0"/>
+                <a:cs typeface="Courier New" panose="02070309020205020404" pitchFamily="49" charset="0"/>
+              </a:rPr>
+              <a:t> | Software version 6.0.0, Ethernet FW version 6.9.0 (Device 0) (cluster.cpp:935)</a:t>
+            </a:r>
+          </a:p>
+          <a:p>
+            <a:r>
+              <a:rPr lang="en-GB" sz="1050" dirty="0">
+                <a:solidFill>
+                  <a:schemeClr val="bg1"/>
+                </a:solidFill>
+                <a:latin typeface="Courier New" panose="02070309020205020404" pitchFamily="49" charset="0"/>
+                <a:cs typeface="Courier New" panose="02070309020205020404" pitchFamily="49" charset="0"/>
+              </a:rPr>
+              <a:t>2025-09-01 18:38:54.705 | info     |   </a:t>
+            </a:r>
+            <a:r>
+              <a:rPr lang="en-GB" sz="1050" dirty="0" err="1">
+                <a:solidFill>
+                  <a:schemeClr val="bg1"/>
+                </a:solidFill>
+                <a:latin typeface="Courier New" panose="02070309020205020404" pitchFamily="49" charset="0"/>
+                <a:cs typeface="Courier New" panose="02070309020205020404" pitchFamily="49" charset="0"/>
+              </a:rPr>
+              <a:t>SiliconDriver</a:t>
+            </a:r>
+            <a:r>
+              <a:rPr lang="en-GB" sz="1050" dirty="0">
+                <a:solidFill>
+                  <a:schemeClr val="bg1"/>
+                </a:solidFill>
+                <a:latin typeface="Courier New" panose="02070309020205020404" pitchFamily="49" charset="0"/>
+                <a:cs typeface="Courier New" panose="02070309020205020404" pitchFamily="49" charset="0"/>
+              </a:rPr>
+              <a:t> | Software version 6.0.0, Ethernet FW version 6.9.0 (Device 1) (cluster.cpp:935)</a:t>
+            </a:r>
+          </a:p>
+          <a:p>
+            <a:r>
+              <a:rPr lang="en-GB" sz="1050" dirty="0">
+                <a:solidFill>
+                  <a:schemeClr val="bg1"/>
+                </a:solidFill>
+                <a:latin typeface="Courier New" panose="02070309020205020404" pitchFamily="49" charset="0"/>
+                <a:cs typeface="Courier New" panose="02070309020205020404" pitchFamily="49" charset="0"/>
+              </a:rPr>
+              <a:t>Completed successfully on the device, with 65536 elements</a:t>
+            </a:r>
+          </a:p>
+          <a:p>
+            <a:r>
+              <a:rPr lang="en-GB" sz="1050" dirty="0">
+                <a:solidFill>
+                  <a:schemeClr val="bg1"/>
+                </a:solidFill>
+                <a:latin typeface="Courier New" panose="02070309020205020404" pitchFamily="49" charset="0"/>
+                <a:cs typeface="Courier New" panose="02070309020205020404" pitchFamily="49" charset="0"/>
+              </a:rPr>
+              <a:t>2025-09-01 18:38:58.053 | info     |          Device | Closing user mode device drivers (tt_cluster.cpp:383)</a:t>
+            </a:r>
+          </a:p>
+        </p:txBody>
+      </p:sp>
+    </p:spTree>
+    <p:extLst>
+      <p:ext uri="{BB962C8B-B14F-4D97-AF65-F5344CB8AC3E}">
+        <p14:creationId xmlns:p14="http://schemas.microsoft.com/office/powerpoint/2010/main" val="3860885015"/>
+      </p:ext>
+    </p:extLst>
+  </p:cSld>
+  <p:clrMapOvr>
+    <a:masterClrMapping/>
+  </p:clrMapOvr>
+</p:sld>
+</file>
+
+<file path=ppt/slides/slide8.xml><?xml version="1.0" encoding="utf-8"?>
+<p:sld xmlns:a="http://schemas.openxmlformats.org/drawingml/2006/main" xmlns:r="http://schemas.openxmlformats.org/officeDocument/2006/relationships" xmlns:p="http://schemas.openxmlformats.org/presentationml/2006/main">
+  <p:cSld>
+    <p:spTree>
+      <p:nvGrpSpPr>
+        <p:cNvPr id="1" name="">
+          <a:extLst>
+            <a:ext uri="{FF2B5EF4-FFF2-40B4-BE49-F238E27FC236}">
+              <a16:creationId xmlns:a16="http://schemas.microsoft.com/office/drawing/2014/main" id="{F76014D8-0B5C-9720-2E43-7882E08ED804}"/>
+            </a:ext>
+          </a:extLst>
+        </p:cNvPr>
+        <p:cNvGrpSpPr/>
+        <p:nvPr/>
+      </p:nvGrpSpPr>
+      <p:grpSpPr>
+        <a:xfrm>
+          <a:off x="0" y="0"/>
+          <a:ext cx="0" cy="0"/>
+          <a:chOff x="0" y="0"/>
+          <a:chExt cx="0" cy="0"/>
+        </a:xfrm>
+      </p:grpSpPr>
+      <p:sp>
+        <p:nvSpPr>
+          <p:cNvPr id="2" name="Title 1">
+            <a:extLst>
+              <a:ext uri="{FF2B5EF4-FFF2-40B4-BE49-F238E27FC236}">
+                <a16:creationId xmlns:a16="http://schemas.microsoft.com/office/drawing/2014/main" id="{C9211811-B679-46DE-C53B-A564A167EE2C}"/>
+              </a:ext>
+            </a:extLst>
+          </p:cNvPr>
+          <p:cNvSpPr>
+            <a:spLocks noGrp="1"/>
+          </p:cNvSpPr>
+          <p:nvPr>
+            <p:ph type="title"/>
+          </p:nvPr>
+        </p:nvSpPr>
+        <p:spPr/>
+        <p:txBody>
+          <a:bodyPr>
+            <a:normAutofit fontScale="90000"/>
+          </a:bodyPr>
+          <a:lstStyle/>
+          <a:p>
+            <a:r>
+              <a:rPr lang="en-GB" dirty="0"/>
+              <a:t>Sharing the Wormhole: Conflict, you are not running</a:t>
+            </a:r>
+          </a:p>
+        </p:txBody>
+      </p:sp>
+      <p:sp>
+        <p:nvSpPr>
+          <p:cNvPr id="3" name="Content Placeholder 2">
+            <a:extLst>
+              <a:ext uri="{FF2B5EF4-FFF2-40B4-BE49-F238E27FC236}">
+                <a16:creationId xmlns:a16="http://schemas.microsoft.com/office/drawing/2014/main" id="{417BF93E-DBC1-008E-2F2A-5A57D9EB5CCA}"/>
+              </a:ext>
+            </a:extLst>
+          </p:cNvPr>
+          <p:cNvSpPr>
+            <a:spLocks noGrp="1"/>
+          </p:cNvSpPr>
+          <p:nvPr>
+            <p:ph idx="1"/>
+          </p:nvPr>
+        </p:nvSpPr>
+        <p:spPr>
+          <a:xfrm>
+            <a:off x="407368" y="5916725"/>
+            <a:ext cx="11175032" cy="815752"/>
+          </a:xfrm>
+        </p:spPr>
+        <p:txBody>
+          <a:bodyPr>
+            <a:normAutofit fontScale="85000" lnSpcReduction="10000"/>
+          </a:bodyPr>
+          <a:lstStyle/>
+          <a:p>
+            <a:r>
+              <a:rPr lang="en-GB" dirty="0">
+                <a:solidFill>
+                  <a:srgbClr val="0070C0"/>
+                </a:solidFill>
+              </a:rPr>
+              <a:t>The output is longer, it will pause, and you can see </a:t>
+            </a:r>
+            <a:r>
+              <a:rPr lang="en-GB" i="1" dirty="0">
+                <a:solidFill>
+                  <a:srgbClr val="0070C0"/>
+                </a:solidFill>
+              </a:rPr>
+              <a:t>detected as still running, issuing exit</a:t>
+            </a:r>
+          </a:p>
+          <a:p>
+            <a:r>
+              <a:rPr lang="en-GB" dirty="0">
+                <a:solidFill>
+                  <a:srgbClr val="0070C0"/>
+                </a:solidFill>
+              </a:rPr>
+              <a:t>Ctrl-C (or wait for timeout after around 20 seconds) and then rerun</a:t>
+            </a:r>
+          </a:p>
+        </p:txBody>
+      </p:sp>
+      <p:sp>
+        <p:nvSpPr>
+          <p:cNvPr id="4" name="TextBox 3">
+            <a:extLst>
+              <a:ext uri="{FF2B5EF4-FFF2-40B4-BE49-F238E27FC236}">
+                <a16:creationId xmlns:a16="http://schemas.microsoft.com/office/drawing/2014/main" id="{50F586DA-8AEA-6B2C-C22E-B868B640DE78}"/>
+              </a:ext>
+            </a:extLst>
+          </p:cNvPr>
+          <p:cNvSpPr txBox="1"/>
+          <p:nvPr/>
+        </p:nvSpPr>
+        <p:spPr>
+          <a:xfrm>
+            <a:off x="155340" y="1481800"/>
+            <a:ext cx="11881320" cy="4247317"/>
+          </a:xfrm>
+          <a:prstGeom prst="rect">
+            <a:avLst/>
+          </a:prstGeom>
+          <a:solidFill>
+            <a:schemeClr val="tx1"/>
+          </a:solidFill>
+        </p:spPr>
+        <p:txBody>
+          <a:bodyPr wrap="square" rtlCol="0">
+            <a:spAutoFit/>
+          </a:bodyPr>
+          <a:lstStyle/>
+          <a:p>
+            <a:r>
+              <a:rPr lang="en-GB" sz="900" dirty="0">
+                <a:solidFill>
+                  <a:schemeClr val="bg1"/>
+                </a:solidFill>
+                <a:latin typeface="Courier New" panose="02070309020205020404" pitchFamily="49" charset="0"/>
+                <a:cs typeface="Courier New" panose="02070309020205020404" pitchFamily="49" charset="0"/>
+              </a:rPr>
+              <a:t>[user-id@tenstorrent1 ~]$ ./</a:t>
+            </a:r>
+            <a:r>
+              <a:rPr lang="en-GB" sz="900" dirty="0" err="1">
+                <a:solidFill>
+                  <a:schemeClr val="bg1"/>
+                </a:solidFill>
+                <a:latin typeface="Courier New" panose="02070309020205020404" pitchFamily="49" charset="0"/>
+                <a:cs typeface="Courier New" panose="02070309020205020404" pitchFamily="49" charset="0"/>
+              </a:rPr>
+              <a:t>ex_five</a:t>
+            </a:r>
+            <a:endParaRPr lang="en-GB" sz="900" dirty="0">
+              <a:solidFill>
+                <a:schemeClr val="bg1"/>
+              </a:solidFill>
+              <a:latin typeface="Courier New" panose="02070309020205020404" pitchFamily="49" charset="0"/>
+              <a:cs typeface="Courier New" panose="02070309020205020404" pitchFamily="49" charset="0"/>
+            </a:endParaRPr>
+          </a:p>
+          <a:p>
+            <a:r>
+              <a:rPr lang="en-GB" sz="900" dirty="0">
+                <a:solidFill>
+                  <a:schemeClr val="bg1"/>
+                </a:solidFill>
+                <a:latin typeface="Courier New" panose="02070309020205020404" pitchFamily="49" charset="0"/>
+                <a:cs typeface="Courier New" panose="02070309020205020404" pitchFamily="49" charset="0"/>
+              </a:rPr>
+              <a:t>2025-09-01 18:38:19.201 | info     |   </a:t>
+            </a:r>
+            <a:r>
+              <a:rPr lang="en-GB" sz="900" dirty="0" err="1">
+                <a:solidFill>
+                  <a:schemeClr val="bg1"/>
+                </a:solidFill>
+                <a:latin typeface="Courier New" panose="02070309020205020404" pitchFamily="49" charset="0"/>
+                <a:cs typeface="Courier New" panose="02070309020205020404" pitchFamily="49" charset="0"/>
+              </a:rPr>
+              <a:t>SiliconDriver</a:t>
+            </a:r>
+            <a:r>
+              <a:rPr lang="en-GB" sz="900" dirty="0">
+                <a:solidFill>
+                  <a:schemeClr val="bg1"/>
+                </a:solidFill>
+                <a:latin typeface="Courier New" panose="02070309020205020404" pitchFamily="49" charset="0"/>
+                <a:cs typeface="Courier New" panose="02070309020205020404" pitchFamily="49" charset="0"/>
+              </a:rPr>
+              <a:t> | Opened PCI device 0; KMD version: 1.29.0; API: 1; IOMMU: disabled (pci_device.cpp:197)</a:t>
+            </a:r>
+          </a:p>
+          <a:p>
+            <a:r>
+              <a:rPr lang="en-GB" sz="900" dirty="0">
+                <a:solidFill>
+                  <a:schemeClr val="bg1"/>
+                </a:solidFill>
+                <a:latin typeface="Courier New" panose="02070309020205020404" pitchFamily="49" charset="0"/>
+                <a:cs typeface="Courier New" panose="02070309020205020404" pitchFamily="49" charset="0"/>
+              </a:rPr>
+              <a:t>2025-09-01 18:38:19.214 | info     |          Device | Opening user mode device driver (tt_cluster.cpp:192)</a:t>
+            </a:r>
+          </a:p>
+          <a:p>
+            <a:r>
+              <a:rPr lang="en-GB" sz="900" dirty="0">
+                <a:solidFill>
+                  <a:schemeClr val="bg1"/>
+                </a:solidFill>
+                <a:latin typeface="Courier New" panose="02070309020205020404" pitchFamily="49" charset="0"/>
+                <a:cs typeface="Courier New" panose="02070309020205020404" pitchFamily="49" charset="0"/>
+              </a:rPr>
+              <a:t>2025-09-01 18:38:19.214 | info     |   </a:t>
+            </a:r>
+            <a:r>
+              <a:rPr lang="en-GB" sz="900" dirty="0" err="1">
+                <a:solidFill>
+                  <a:schemeClr val="bg1"/>
+                </a:solidFill>
+                <a:latin typeface="Courier New" panose="02070309020205020404" pitchFamily="49" charset="0"/>
+                <a:cs typeface="Courier New" panose="02070309020205020404" pitchFamily="49" charset="0"/>
+              </a:rPr>
+              <a:t>SiliconDriver</a:t>
+            </a:r>
+            <a:r>
+              <a:rPr lang="en-GB" sz="900" dirty="0">
+                <a:solidFill>
+                  <a:schemeClr val="bg1"/>
+                </a:solidFill>
+                <a:latin typeface="Courier New" panose="02070309020205020404" pitchFamily="49" charset="0"/>
+                <a:cs typeface="Courier New" panose="02070309020205020404" pitchFamily="49" charset="0"/>
+              </a:rPr>
+              <a:t> | Opened PCI device 0; KMD version: 1.29.0; API: 1; IOMMU: disabled (pci_device.cpp:197)</a:t>
+            </a:r>
+          </a:p>
+          <a:p>
+            <a:r>
+              <a:rPr lang="en-GB" sz="900" dirty="0">
+                <a:solidFill>
+                  <a:schemeClr val="bg1"/>
+                </a:solidFill>
+                <a:latin typeface="Courier New" panose="02070309020205020404" pitchFamily="49" charset="0"/>
+                <a:cs typeface="Courier New" panose="02070309020205020404" pitchFamily="49" charset="0"/>
+              </a:rPr>
+              <a:t>2025-09-01 18:38:19.224 | info     |   </a:t>
+            </a:r>
+            <a:r>
+              <a:rPr lang="en-GB" sz="900" dirty="0" err="1">
+                <a:solidFill>
+                  <a:schemeClr val="bg1"/>
+                </a:solidFill>
+                <a:latin typeface="Courier New" panose="02070309020205020404" pitchFamily="49" charset="0"/>
+                <a:cs typeface="Courier New" panose="02070309020205020404" pitchFamily="49" charset="0"/>
+              </a:rPr>
+              <a:t>SiliconDriver</a:t>
+            </a:r>
+            <a:r>
+              <a:rPr lang="en-GB" sz="900" dirty="0">
+                <a:solidFill>
+                  <a:schemeClr val="bg1"/>
+                </a:solidFill>
+                <a:latin typeface="Courier New" panose="02070309020205020404" pitchFamily="49" charset="0"/>
+                <a:cs typeface="Courier New" panose="02070309020205020404" pitchFamily="49" charset="0"/>
+              </a:rPr>
+              <a:t> | Opened PCI device 0; KMD version: 1.29.0; API: 1; IOMMU: disabled (pci_device.cpp:197)</a:t>
+            </a:r>
+          </a:p>
+          <a:p>
+            <a:r>
+              <a:rPr lang="en-GB" sz="900" dirty="0">
+                <a:solidFill>
+                  <a:schemeClr val="bg1"/>
+                </a:solidFill>
+                <a:latin typeface="Courier New" panose="02070309020205020404" pitchFamily="49" charset="0"/>
+                <a:cs typeface="Courier New" panose="02070309020205020404" pitchFamily="49" charset="0"/>
+              </a:rPr>
+              <a:t>2025-09-01 18:38:19.234 | info     |   </a:t>
+            </a:r>
+            <a:r>
+              <a:rPr lang="en-GB" sz="900" dirty="0" err="1">
+                <a:solidFill>
+                  <a:schemeClr val="bg1"/>
+                </a:solidFill>
+                <a:latin typeface="Courier New" panose="02070309020205020404" pitchFamily="49" charset="0"/>
+                <a:cs typeface="Courier New" panose="02070309020205020404" pitchFamily="49" charset="0"/>
+              </a:rPr>
+              <a:t>SiliconDriver</a:t>
+            </a:r>
+            <a:r>
+              <a:rPr lang="en-GB" sz="900" dirty="0">
+                <a:solidFill>
+                  <a:schemeClr val="bg1"/>
+                </a:solidFill>
+                <a:latin typeface="Courier New" panose="02070309020205020404" pitchFamily="49" charset="0"/>
+                <a:cs typeface="Courier New" panose="02070309020205020404" pitchFamily="49" charset="0"/>
+              </a:rPr>
+              <a:t> | Harvesting mask for chip 0 is 0x300 (NOC0: 0x300, simulated harvesting mask: 0x0). (cluster.cpp:295)</a:t>
+            </a:r>
+          </a:p>
+          <a:p>
+            <a:r>
+              <a:rPr lang="en-GB" sz="900" dirty="0">
+                <a:solidFill>
+                  <a:schemeClr val="bg1"/>
+                </a:solidFill>
+                <a:latin typeface="Courier New" panose="02070309020205020404" pitchFamily="49" charset="0"/>
+                <a:cs typeface="Courier New" panose="02070309020205020404" pitchFamily="49" charset="0"/>
+              </a:rPr>
+              <a:t>2025-09-01 18:38:19.236 | info     |   </a:t>
+            </a:r>
+            <a:r>
+              <a:rPr lang="en-GB" sz="900" dirty="0" err="1">
+                <a:solidFill>
+                  <a:schemeClr val="bg1"/>
+                </a:solidFill>
+                <a:latin typeface="Courier New" panose="02070309020205020404" pitchFamily="49" charset="0"/>
+                <a:cs typeface="Courier New" panose="02070309020205020404" pitchFamily="49" charset="0"/>
+              </a:rPr>
+              <a:t>SiliconDriver</a:t>
+            </a:r>
+            <a:r>
+              <a:rPr lang="en-GB" sz="900" dirty="0">
+                <a:solidFill>
+                  <a:schemeClr val="bg1"/>
+                </a:solidFill>
+                <a:latin typeface="Courier New" panose="02070309020205020404" pitchFamily="49" charset="0"/>
+                <a:cs typeface="Courier New" panose="02070309020205020404" pitchFamily="49" charset="0"/>
+              </a:rPr>
+              <a:t> | Opened PCI device 0; KMD version: 1.29.0; API: 1; IOMMU: disabled (pci_device.cpp:197)</a:t>
+            </a:r>
+          </a:p>
+          <a:p>
+            <a:r>
+              <a:rPr lang="en-GB" sz="900" dirty="0">
+                <a:solidFill>
+                  <a:schemeClr val="bg1"/>
+                </a:solidFill>
+                <a:latin typeface="Courier New" panose="02070309020205020404" pitchFamily="49" charset="0"/>
+                <a:cs typeface="Courier New" panose="02070309020205020404" pitchFamily="49" charset="0"/>
+              </a:rPr>
+              <a:t>2025-09-01 18:38:19.341 | info     |   </a:t>
+            </a:r>
+            <a:r>
+              <a:rPr lang="en-GB" sz="900" dirty="0" err="1">
+                <a:solidFill>
+                  <a:schemeClr val="bg1"/>
+                </a:solidFill>
+                <a:latin typeface="Courier New" panose="02070309020205020404" pitchFamily="49" charset="0"/>
+                <a:cs typeface="Courier New" panose="02070309020205020404" pitchFamily="49" charset="0"/>
+              </a:rPr>
+              <a:t>SiliconDriver</a:t>
+            </a:r>
+            <a:r>
+              <a:rPr lang="en-GB" sz="900" dirty="0">
+                <a:solidFill>
+                  <a:schemeClr val="bg1"/>
+                </a:solidFill>
+                <a:latin typeface="Courier New" panose="02070309020205020404" pitchFamily="49" charset="0"/>
+                <a:cs typeface="Courier New" panose="02070309020205020404" pitchFamily="49" charset="0"/>
+              </a:rPr>
+              <a:t> | Harvesting mask for chip 1 is 0x204 (NOC0: 0x204, simulated harvesting mask: 0x0). (cluster.cpp:295)</a:t>
+            </a:r>
+          </a:p>
+          <a:p>
+            <a:r>
+              <a:rPr lang="en-GB" sz="900" dirty="0">
+                <a:solidFill>
+                  <a:schemeClr val="bg1"/>
+                </a:solidFill>
+                <a:latin typeface="Courier New" panose="02070309020205020404" pitchFamily="49" charset="0"/>
+                <a:cs typeface="Courier New" panose="02070309020205020404" pitchFamily="49" charset="0"/>
+              </a:rPr>
+              <a:t>2025-09-01 18:38:19.346 | info     |   </a:t>
+            </a:r>
+            <a:r>
+              <a:rPr lang="en-GB" sz="900" dirty="0" err="1">
+                <a:solidFill>
+                  <a:schemeClr val="bg1"/>
+                </a:solidFill>
+                <a:latin typeface="Courier New" panose="02070309020205020404" pitchFamily="49" charset="0"/>
+                <a:cs typeface="Courier New" panose="02070309020205020404" pitchFamily="49" charset="0"/>
+              </a:rPr>
+              <a:t>SiliconDriver</a:t>
+            </a:r>
+            <a:r>
+              <a:rPr lang="en-GB" sz="900" dirty="0">
+                <a:solidFill>
+                  <a:schemeClr val="bg1"/>
+                </a:solidFill>
+                <a:latin typeface="Courier New" panose="02070309020205020404" pitchFamily="49" charset="0"/>
+                <a:cs typeface="Courier New" panose="02070309020205020404" pitchFamily="49" charset="0"/>
+              </a:rPr>
+              <a:t> | Opening local chip ids/</a:t>
+            </a:r>
+            <a:r>
+              <a:rPr lang="en-GB" sz="900" dirty="0" err="1">
+                <a:solidFill>
+                  <a:schemeClr val="bg1"/>
+                </a:solidFill>
+                <a:latin typeface="Courier New" panose="02070309020205020404" pitchFamily="49" charset="0"/>
+                <a:cs typeface="Courier New" panose="02070309020205020404" pitchFamily="49" charset="0"/>
+              </a:rPr>
+              <a:t>pci</a:t>
+            </a:r>
+            <a:r>
+              <a:rPr lang="en-GB" sz="900" dirty="0">
+                <a:solidFill>
+                  <a:schemeClr val="bg1"/>
+                </a:solidFill>
+                <a:latin typeface="Courier New" panose="02070309020205020404" pitchFamily="49" charset="0"/>
+                <a:cs typeface="Courier New" panose="02070309020205020404" pitchFamily="49" charset="0"/>
+              </a:rPr>
+              <a:t> ids: {0}/[0] and remote chip ids {1} (cluster.cpp:157)</a:t>
+            </a:r>
+          </a:p>
+          <a:p>
+            <a:r>
+              <a:rPr lang="en-GB" sz="900" dirty="0">
+                <a:solidFill>
+                  <a:schemeClr val="bg1"/>
+                </a:solidFill>
+                <a:latin typeface="Courier New" panose="02070309020205020404" pitchFamily="49" charset="0"/>
+                <a:cs typeface="Courier New" panose="02070309020205020404" pitchFamily="49" charset="0"/>
+              </a:rPr>
+              <a:t>2025-09-01 18:38:19.347 | info     |   </a:t>
+            </a:r>
+            <a:r>
+              <a:rPr lang="en-GB" sz="900" dirty="0" err="1">
+                <a:solidFill>
+                  <a:schemeClr val="bg1"/>
+                </a:solidFill>
+                <a:latin typeface="Courier New" panose="02070309020205020404" pitchFamily="49" charset="0"/>
+                <a:cs typeface="Courier New" panose="02070309020205020404" pitchFamily="49" charset="0"/>
+              </a:rPr>
+              <a:t>SiliconDriver</a:t>
+            </a:r>
+            <a:r>
+              <a:rPr lang="en-GB" sz="900" dirty="0">
+                <a:solidFill>
+                  <a:schemeClr val="bg1"/>
+                </a:solidFill>
+                <a:latin typeface="Courier New" panose="02070309020205020404" pitchFamily="49" charset="0"/>
+                <a:cs typeface="Courier New" panose="02070309020205020404" pitchFamily="49" charset="0"/>
+              </a:rPr>
+              <a:t> | All devices in cluster running firmware version: 255.255.0 (cluster.cpp:138)</a:t>
+            </a:r>
+          </a:p>
+          <a:p>
+            <a:r>
+              <a:rPr lang="en-GB" sz="900" dirty="0">
+                <a:solidFill>
+                  <a:schemeClr val="bg1"/>
+                </a:solidFill>
+                <a:latin typeface="Courier New" panose="02070309020205020404" pitchFamily="49" charset="0"/>
+                <a:cs typeface="Courier New" panose="02070309020205020404" pitchFamily="49" charset="0"/>
+              </a:rPr>
+              <a:t>2025-09-01 18:38:19.347 | info     |   </a:t>
+            </a:r>
+            <a:r>
+              <a:rPr lang="en-GB" sz="900" dirty="0" err="1">
+                <a:solidFill>
+                  <a:schemeClr val="bg1"/>
+                </a:solidFill>
+                <a:latin typeface="Courier New" panose="02070309020205020404" pitchFamily="49" charset="0"/>
+                <a:cs typeface="Courier New" panose="02070309020205020404" pitchFamily="49" charset="0"/>
+              </a:rPr>
+              <a:t>SiliconDriver</a:t>
+            </a:r>
+            <a:r>
+              <a:rPr lang="en-GB" sz="900" dirty="0">
+                <a:solidFill>
+                  <a:schemeClr val="bg1"/>
+                </a:solidFill>
+                <a:latin typeface="Courier New" panose="02070309020205020404" pitchFamily="49" charset="0"/>
+                <a:cs typeface="Courier New" panose="02070309020205020404" pitchFamily="49" charset="0"/>
+              </a:rPr>
+              <a:t> | Software version 6.0.0, Ethernet FW version 6.9.0 (Device 0) (cluster.cpp:935)</a:t>
+            </a:r>
+          </a:p>
+          <a:p>
+            <a:r>
+              <a:rPr lang="en-GB" sz="900" dirty="0">
+                <a:solidFill>
+                  <a:schemeClr val="bg1"/>
+                </a:solidFill>
+                <a:latin typeface="Courier New" panose="02070309020205020404" pitchFamily="49" charset="0"/>
+                <a:cs typeface="Courier New" panose="02070309020205020404" pitchFamily="49" charset="0"/>
+              </a:rPr>
+              <a:t>2025-09-01 18:38:19.348 | info     |   </a:t>
+            </a:r>
+            <a:r>
+              <a:rPr lang="en-GB" sz="900" dirty="0" err="1">
+                <a:solidFill>
+                  <a:schemeClr val="bg1"/>
+                </a:solidFill>
+                <a:latin typeface="Courier New" panose="02070309020205020404" pitchFamily="49" charset="0"/>
+                <a:cs typeface="Courier New" panose="02070309020205020404" pitchFamily="49" charset="0"/>
+              </a:rPr>
+              <a:t>SiliconDriver</a:t>
+            </a:r>
+            <a:r>
+              <a:rPr lang="en-GB" sz="900" dirty="0">
+                <a:solidFill>
+                  <a:schemeClr val="bg1"/>
+                </a:solidFill>
+                <a:latin typeface="Courier New" panose="02070309020205020404" pitchFamily="49" charset="0"/>
+                <a:cs typeface="Courier New" panose="02070309020205020404" pitchFamily="49" charset="0"/>
+              </a:rPr>
+              <a:t> | Software version 6.0.0, Ethernet FW version 6.9.0 (Device 1) (cluster.cpp:935)</a:t>
+            </a:r>
+          </a:p>
+          <a:p>
+            <a:r>
+              <a:rPr lang="en-GB" sz="900" dirty="0">
+                <a:solidFill>
+                  <a:schemeClr val="bg1"/>
+                </a:solidFill>
+                <a:latin typeface="Courier New" panose="02070309020205020404" pitchFamily="49" charset="0"/>
+                <a:cs typeface="Courier New" panose="02070309020205020404" pitchFamily="49" charset="0"/>
+              </a:rPr>
+              <a:t>2025-09-01 18:38:20.081 | info     |           Metal | While initializing device 0, active ethernet dispatch core (x=21,y=17) detected as still running, issuing exit signal. (metal_context.cpp:586)</a:t>
+            </a:r>
+          </a:p>
+          <a:p>
+            <a:r>
+              <a:rPr lang="en-GB" sz="900" dirty="0">
+                <a:solidFill>
+                  <a:schemeClr val="bg1"/>
+                </a:solidFill>
+                <a:latin typeface="Courier New" panose="02070309020205020404" pitchFamily="49" charset="0"/>
+                <a:cs typeface="Courier New" panose="02070309020205020404" pitchFamily="49" charset="0"/>
+              </a:rPr>
+              <a:t>2025-09-01 18:38:20.082 | info     |           Metal | While initializing device 0, active ethernet dispatch core (x=18,y=17) detected as still running, issuing exit signal. (metal_context.cpp:586)</a:t>
+            </a:r>
+          </a:p>
+          <a:p>
+            <a:r>
+              <a:rPr lang="en-GB" sz="900" dirty="0">
+                <a:solidFill>
+                  <a:schemeClr val="bg1"/>
+                </a:solidFill>
+                <a:latin typeface="Courier New" panose="02070309020205020404" pitchFamily="49" charset="0"/>
+                <a:cs typeface="Courier New" panose="02070309020205020404" pitchFamily="49" charset="0"/>
+              </a:rPr>
+              <a:t>2025-09-01 18:38:20.082 | info     |           Metal | While initializing device 0, active ethernet dispatch core (x=25,y=17) detected as still running, issuing exit signal. (metal_context.cpp:586)</a:t>
+            </a:r>
+          </a:p>
+          <a:p>
+            <a:r>
+              <a:rPr lang="en-GB" sz="900" dirty="0">
+                <a:solidFill>
+                  <a:schemeClr val="bg1"/>
+                </a:solidFill>
+                <a:latin typeface="Courier New" panose="02070309020205020404" pitchFamily="49" charset="0"/>
+                <a:cs typeface="Courier New" panose="02070309020205020404" pitchFamily="49" charset="0"/>
+              </a:rPr>
+              <a:t>Read unexpected </a:t>
+            </a:r>
+            <a:r>
+              <a:rPr lang="en-GB" sz="900" dirty="0" err="1">
+                <a:solidFill>
+                  <a:schemeClr val="bg1"/>
+                </a:solidFill>
+                <a:latin typeface="Courier New" panose="02070309020205020404" pitchFamily="49" charset="0"/>
+                <a:cs typeface="Courier New" panose="02070309020205020404" pitchFamily="49" charset="0"/>
+              </a:rPr>
+              <a:t>run_mailbox</a:t>
+            </a:r>
+            <a:r>
+              <a:rPr lang="en-GB" sz="900" dirty="0">
+                <a:solidFill>
+                  <a:schemeClr val="bg1"/>
+                </a:solidFill>
+                <a:latin typeface="Courier New" panose="02070309020205020404" pitchFamily="49" charset="0"/>
+                <a:cs typeface="Courier New" panose="02070309020205020404" pitchFamily="49" charset="0"/>
+              </a:rPr>
+              <a:t> value: 0x40 (expected 0x80 or 0x0)</a:t>
+            </a:r>
+          </a:p>
+          <a:p>
+            <a:r>
+              <a:rPr lang="en-GB" sz="900" dirty="0">
+                <a:solidFill>
+                  <a:schemeClr val="bg1"/>
+                </a:solidFill>
+                <a:latin typeface="Courier New" panose="02070309020205020404" pitchFamily="49" charset="0"/>
+                <a:cs typeface="Courier New" panose="02070309020205020404" pitchFamily="49" charset="0"/>
+              </a:rPr>
+              <a:t>2025-09-01 18:38:20.082 | critical |          Always | Read unexpected </a:t>
+            </a:r>
+            <a:r>
+              <a:rPr lang="en-GB" sz="900" dirty="0" err="1">
+                <a:solidFill>
+                  <a:schemeClr val="bg1"/>
+                </a:solidFill>
+                <a:latin typeface="Courier New" panose="02070309020205020404" pitchFamily="49" charset="0"/>
+                <a:cs typeface="Courier New" panose="02070309020205020404" pitchFamily="49" charset="0"/>
+              </a:rPr>
+              <a:t>run_mailbox</a:t>
+            </a:r>
+            <a:r>
+              <a:rPr lang="en-GB" sz="900" dirty="0">
+                <a:solidFill>
+                  <a:schemeClr val="bg1"/>
+                </a:solidFill>
+                <a:latin typeface="Courier New" panose="02070309020205020404" pitchFamily="49" charset="0"/>
+                <a:cs typeface="Courier New" panose="02070309020205020404" pitchFamily="49" charset="0"/>
+              </a:rPr>
+              <a:t> value from core (x=25,y=17) (assert.hpp:107)</a:t>
+            </a:r>
+          </a:p>
+          <a:p>
+            <a:r>
+              <a:rPr lang="en-GB" sz="900" dirty="0">
+                <a:solidFill>
+                  <a:schemeClr val="bg1"/>
+                </a:solidFill>
+                <a:latin typeface="Courier New" panose="02070309020205020404" pitchFamily="49" charset="0"/>
+                <a:cs typeface="Courier New" panose="02070309020205020404" pitchFamily="49" charset="0"/>
+              </a:rPr>
+              <a:t>2025-09-01 18:38:20.082 | warning  |          Always | Detected dispatch kernels still running but failed to complete an early exit. This may happen from time to time following a reset, continuing to FW </a:t>
+            </a:r>
+            <a:r>
+              <a:rPr lang="en-GB" sz="900" dirty="0" err="1">
+                <a:solidFill>
+                  <a:schemeClr val="bg1"/>
+                </a:solidFill>
+                <a:latin typeface="Courier New" panose="02070309020205020404" pitchFamily="49" charset="0"/>
+                <a:cs typeface="Courier New" panose="02070309020205020404" pitchFamily="49" charset="0"/>
+              </a:rPr>
+              <a:t>intialization</a:t>
+            </a:r>
+            <a:r>
+              <a:rPr lang="en-GB" sz="900" dirty="0">
+                <a:solidFill>
+                  <a:schemeClr val="bg1"/>
+                </a:solidFill>
+                <a:latin typeface="Courier New" panose="02070309020205020404" pitchFamily="49" charset="0"/>
+                <a:cs typeface="Courier New" panose="02070309020205020404" pitchFamily="49" charset="0"/>
+              </a:rPr>
+              <a:t>... (metal_context.cpp:632)</a:t>
+            </a:r>
+          </a:p>
+          <a:p>
+            <a:r>
+              <a:rPr lang="en-GB" sz="900" dirty="0">
+                <a:solidFill>
+                  <a:schemeClr val="bg1"/>
+                </a:solidFill>
+                <a:latin typeface="Courier New" panose="02070309020205020404" pitchFamily="49" charset="0"/>
+                <a:cs typeface="Courier New" panose="02070309020205020404" pitchFamily="49" charset="0"/>
+              </a:rPr>
+              <a:t>2025-09-01 18:38:20.088 | info     |           Metal | While initializing device 1, active ethernet dispatch core (x=18,y=16) detected as still running, issuing exit signal. (metal_context.cpp:586)</a:t>
+            </a:r>
+          </a:p>
+          <a:p>
+            <a:r>
+              <a:rPr lang="en-GB" sz="900" dirty="0">
+                <a:solidFill>
+                  <a:schemeClr val="bg1"/>
+                </a:solidFill>
+                <a:latin typeface="Courier New" panose="02070309020205020404" pitchFamily="49" charset="0"/>
+                <a:cs typeface="Courier New" panose="02070309020205020404" pitchFamily="49" charset="0"/>
+              </a:rPr>
+              <a:t>2025-09-01 18:38:20.088 | info     |           Metal | While initializing device 1, active ethernet dispatch core (x=25,y=16) detected as still running, issuing exit signal. (metal_context.cpp:586)</a:t>
+            </a:r>
+          </a:p>
+          <a:p>
+            <a:r>
+              <a:rPr lang="en-GB" sz="900" dirty="0">
+                <a:solidFill>
+                  <a:schemeClr val="bg1"/>
+                </a:solidFill>
+                <a:latin typeface="Courier New" panose="02070309020205020404" pitchFamily="49" charset="0"/>
+                <a:cs typeface="Courier New" panose="02070309020205020404" pitchFamily="49" charset="0"/>
+              </a:rPr>
+              <a:t>Read unexpected </a:t>
+            </a:r>
+            <a:r>
+              <a:rPr lang="en-GB" sz="900" dirty="0" err="1">
+                <a:solidFill>
+                  <a:schemeClr val="bg1"/>
+                </a:solidFill>
+                <a:latin typeface="Courier New" panose="02070309020205020404" pitchFamily="49" charset="0"/>
+                <a:cs typeface="Courier New" panose="02070309020205020404" pitchFamily="49" charset="0"/>
+              </a:rPr>
+              <a:t>run_mailbox</a:t>
+            </a:r>
+            <a:r>
+              <a:rPr lang="en-GB" sz="900" dirty="0">
+                <a:solidFill>
+                  <a:schemeClr val="bg1"/>
+                </a:solidFill>
+                <a:latin typeface="Courier New" panose="02070309020205020404" pitchFamily="49" charset="0"/>
+                <a:cs typeface="Courier New" panose="02070309020205020404" pitchFamily="49" charset="0"/>
+              </a:rPr>
+              <a:t> value: 0x40 (expected 0x80 or 0x0)</a:t>
+            </a:r>
+          </a:p>
+          <a:p>
+            <a:r>
+              <a:rPr lang="en-GB" sz="900" dirty="0">
+                <a:solidFill>
+                  <a:schemeClr val="bg1"/>
+                </a:solidFill>
+                <a:latin typeface="Courier New" panose="02070309020205020404" pitchFamily="49" charset="0"/>
+                <a:cs typeface="Courier New" panose="02070309020205020404" pitchFamily="49" charset="0"/>
+              </a:rPr>
+              <a:t>2025-09-01 18:38:20.088 | critical |          Always | Read unexpected </a:t>
+            </a:r>
+            <a:r>
+              <a:rPr lang="en-GB" sz="900" dirty="0" err="1">
+                <a:solidFill>
+                  <a:schemeClr val="bg1"/>
+                </a:solidFill>
+                <a:latin typeface="Courier New" panose="02070309020205020404" pitchFamily="49" charset="0"/>
+                <a:cs typeface="Courier New" panose="02070309020205020404" pitchFamily="49" charset="0"/>
+              </a:rPr>
+              <a:t>run_mailbox</a:t>
+            </a:r>
+            <a:r>
+              <a:rPr lang="en-GB" sz="900" dirty="0">
+                <a:solidFill>
+                  <a:schemeClr val="bg1"/>
+                </a:solidFill>
+                <a:latin typeface="Courier New" panose="02070309020205020404" pitchFamily="49" charset="0"/>
+                <a:cs typeface="Courier New" panose="02070309020205020404" pitchFamily="49" charset="0"/>
+              </a:rPr>
+              <a:t> value from core (x=25,y=16) (assert.hpp:107)</a:t>
+            </a:r>
+          </a:p>
+          <a:p>
+            <a:r>
+              <a:rPr lang="en-GB" sz="900" dirty="0">
+                <a:solidFill>
+                  <a:schemeClr val="bg1"/>
+                </a:solidFill>
+                <a:latin typeface="Courier New" panose="02070309020205020404" pitchFamily="49" charset="0"/>
+                <a:cs typeface="Courier New" panose="02070309020205020404" pitchFamily="49" charset="0"/>
+              </a:rPr>
+              <a:t>2025-09-01 18:38:20.088 | warning  |          Always | Detected dispatch kernels still running but failed to complete an early exit. This may happen from time to time following a reset, continuing to FW </a:t>
+            </a:r>
+            <a:r>
+              <a:rPr lang="en-GB" sz="900" dirty="0" err="1">
+                <a:solidFill>
+                  <a:schemeClr val="bg1"/>
+                </a:solidFill>
+                <a:latin typeface="Courier New" panose="02070309020205020404" pitchFamily="49" charset="0"/>
+                <a:cs typeface="Courier New" panose="02070309020205020404" pitchFamily="49" charset="0"/>
+              </a:rPr>
+              <a:t>intialization</a:t>
+            </a:r>
+            <a:r>
+              <a:rPr lang="en-GB" sz="900" dirty="0">
+                <a:solidFill>
+                  <a:schemeClr val="bg1"/>
+                </a:solidFill>
+                <a:latin typeface="Courier New" panose="02070309020205020404" pitchFamily="49" charset="0"/>
+                <a:cs typeface="Courier New" panose="02070309020205020404" pitchFamily="49" charset="0"/>
+              </a:rPr>
+              <a:t>... (metal_context.cpp:632)</a:t>
+            </a:r>
+          </a:p>
+        </p:txBody>
+      </p:sp>
+    </p:spTree>
+    <p:extLst>
+      <p:ext uri="{BB962C8B-B14F-4D97-AF65-F5344CB8AC3E}">
+        <p14:creationId xmlns:p14="http://schemas.microsoft.com/office/powerpoint/2010/main" val="984333820"/>
       </p:ext>
     </p:extLst>
   </p:cSld>
